--- a/팀 만드로이드_유즈케이스 다이어그램.pptx
+++ b/팀 만드로이드_유즈케이스 다이어그램.pptx
@@ -9,6 +9,9 @@
     <p:sldId id="270" r:id="rId3"/>
     <p:sldId id="271" r:id="rId4"/>
     <p:sldId id="272" r:id="rId5"/>
+    <p:sldId id="273" r:id="rId6"/>
+    <p:sldId id="274" r:id="rId7"/>
+    <p:sldId id="275" r:id="rId8"/>
   </p:sldIdLst>
   <p:sldSz cx="12192000" cy="6858000"/>
   <p:notesSz cx="6858000" cy="9144000"/>
@@ -341,7 +344,7 @@
           <a:p>
             <a:fld id="{A1CF5E3A-E84F-40CE-BFEA-8D5F85718A7E}" type="datetimeFigureOut">
               <a:rPr lang="ko-KR" altLang="en-US" smtClean="0"/>
-              <a:t>2022-10-25</a:t>
+              <a:t>2022-11-08</a:t>
             </a:fld>
             <a:endParaRPr lang="ko-KR" altLang="en-US"/>
           </a:p>
@@ -549,7 +552,7 @@
           <a:p>
             <a:fld id="{A1CF5E3A-E84F-40CE-BFEA-8D5F85718A7E}" type="datetimeFigureOut">
               <a:rPr lang="ko-KR" altLang="en-US" smtClean="0"/>
-              <a:t>2022-10-25</a:t>
+              <a:t>2022-11-08</a:t>
             </a:fld>
             <a:endParaRPr lang="ko-KR" altLang="en-US"/>
           </a:p>
@@ -805,7 +808,7 @@
           <a:p>
             <a:fld id="{A1CF5E3A-E84F-40CE-BFEA-8D5F85718A7E}" type="datetimeFigureOut">
               <a:rPr lang="ko-KR" altLang="en-US" smtClean="0"/>
-              <a:t>2022-10-25</a:t>
+              <a:t>2022-11-08</a:t>
             </a:fld>
             <a:endParaRPr lang="ko-KR" altLang="en-US"/>
           </a:p>
@@ -979,7 +982,7 @@
           <a:p>
             <a:fld id="{A1CF5E3A-E84F-40CE-BFEA-8D5F85718A7E}" type="datetimeFigureOut">
               <a:rPr lang="ko-KR" altLang="en-US" smtClean="0"/>
-              <a:t>2022-10-25</a:t>
+              <a:t>2022-11-08</a:t>
             </a:fld>
             <a:endParaRPr lang="ko-KR" altLang="en-US"/>
           </a:p>
@@ -1322,7 +1325,7 @@
           <a:p>
             <a:fld id="{A1CF5E3A-E84F-40CE-BFEA-8D5F85718A7E}" type="datetimeFigureOut">
               <a:rPr lang="ko-KR" altLang="en-US" smtClean="0"/>
-              <a:t>2022-10-25</a:t>
+              <a:t>2022-11-08</a:t>
             </a:fld>
             <a:endParaRPr lang="ko-KR" altLang="en-US"/>
           </a:p>
@@ -1597,7 +1600,7 @@
           <a:p>
             <a:fld id="{A1CF5E3A-E84F-40CE-BFEA-8D5F85718A7E}" type="datetimeFigureOut">
               <a:rPr lang="ko-KR" altLang="en-US" smtClean="0"/>
-              <a:t>2022-10-25</a:t>
+              <a:t>2022-11-08</a:t>
             </a:fld>
             <a:endParaRPr lang="ko-KR" altLang="en-US"/>
           </a:p>
@@ -1976,7 +1979,7 @@
           <a:p>
             <a:fld id="{A1CF5E3A-E84F-40CE-BFEA-8D5F85718A7E}" type="datetimeFigureOut">
               <a:rPr lang="ko-KR" altLang="en-US" smtClean="0"/>
-              <a:t>2022-10-25</a:t>
+              <a:t>2022-11-08</a:t>
             </a:fld>
             <a:endParaRPr lang="ko-KR" altLang="en-US"/>
           </a:p>
@@ -2094,7 +2097,7 @@
           <a:p>
             <a:fld id="{A1CF5E3A-E84F-40CE-BFEA-8D5F85718A7E}" type="datetimeFigureOut">
               <a:rPr lang="ko-KR" altLang="en-US" smtClean="0"/>
-              <a:t>2022-10-25</a:t>
+              <a:t>2022-11-08</a:t>
             </a:fld>
             <a:endParaRPr lang="ko-KR" altLang="en-US"/>
           </a:p>
@@ -2265,7 +2268,7 @@
           <a:p>
             <a:fld id="{A1CF5E3A-E84F-40CE-BFEA-8D5F85718A7E}" type="datetimeFigureOut">
               <a:rPr lang="ko-KR" altLang="en-US" smtClean="0"/>
-              <a:t>2022-10-25</a:t>
+              <a:t>2022-11-08</a:t>
             </a:fld>
             <a:endParaRPr lang="ko-KR" altLang="en-US"/>
           </a:p>
@@ -2619,7 +2622,7 @@
           <a:p>
             <a:fld id="{A1CF5E3A-E84F-40CE-BFEA-8D5F85718A7E}" type="datetimeFigureOut">
               <a:rPr lang="ko-KR" altLang="en-US" smtClean="0"/>
-              <a:t>2022-10-25</a:t>
+              <a:t>2022-11-08</a:t>
             </a:fld>
             <a:endParaRPr lang="ko-KR" altLang="en-US"/>
           </a:p>
@@ -3001,7 +3004,7 @@
           <a:p>
             <a:fld id="{A1CF5E3A-E84F-40CE-BFEA-8D5F85718A7E}" type="datetimeFigureOut">
               <a:rPr lang="ko-KR" altLang="en-US" smtClean="0"/>
-              <a:t>2022-10-25</a:t>
+              <a:t>2022-11-08</a:t>
             </a:fld>
             <a:endParaRPr lang="ko-KR" altLang="en-US"/>
           </a:p>
@@ -3288,7 +3291,7 @@
           <a:p>
             <a:fld id="{A1CF5E3A-E84F-40CE-BFEA-8D5F85718A7E}" type="datetimeFigureOut">
               <a:rPr lang="ko-KR" altLang="en-US" smtClean="0"/>
-              <a:t>2022-10-25</a:t>
+              <a:t>2022-11-08</a:t>
             </a:fld>
             <a:endParaRPr lang="ko-KR" altLang="en-US"/>
           </a:p>
@@ -3894,6 +3897,45 @@
               <a:ea typeface="나눔명조OTF ExtraBold" panose="02020603020101020101" pitchFamily="18" charset="-127"/>
             </a:endParaRPr>
           </a:p>
+          <a:p>
+            <a:pPr algn="r"/>
+            <a:r>
+              <a:rPr lang="en-US" altLang="ko-KR" sz="1400" dirty="0">
+                <a:solidFill>
+                  <a:schemeClr val="bg1">
+                    <a:lumMod val="50000"/>
+                  </a:schemeClr>
+                </a:solidFill>
+                <a:latin typeface="나눔명조OTF ExtraBold" panose="02020603020101020101" pitchFamily="18" charset="-127"/>
+                <a:ea typeface="나눔명조OTF ExtraBold" panose="02020603020101020101" pitchFamily="18" charset="-127"/>
+              </a:rPr>
+              <a:t>(</a:t>
+            </a:r>
+            <a:r>
+              <a:rPr lang="ko-KR" altLang="en-US" sz="1400" dirty="0">
+                <a:solidFill>
+                  <a:schemeClr val="bg1">
+                    <a:lumMod val="50000"/>
+                  </a:schemeClr>
+                </a:solidFill>
+                <a:latin typeface="나눔명조OTF ExtraBold" panose="02020603020101020101" pitchFamily="18" charset="-127"/>
+                <a:ea typeface="나눔명조OTF ExtraBold" panose="02020603020101020101" pitchFamily="18" charset="-127"/>
+              </a:rPr>
+              <a:t>제출일 </a:t>
+            </a:r>
+            <a:r>
+              <a:rPr lang="en-US" altLang="ko-KR" sz="1400" dirty="0">
+                <a:solidFill>
+                  <a:schemeClr val="bg1">
+                    <a:lumMod val="50000"/>
+                  </a:schemeClr>
+                </a:solidFill>
+                <a:latin typeface="나눔명조OTF ExtraBold" panose="02020603020101020101" pitchFamily="18" charset="-127"/>
+                <a:ea typeface="나눔명조OTF ExtraBold" panose="02020603020101020101" pitchFamily="18" charset="-127"/>
+              </a:rPr>
+              <a:t>: 2022/11/08)</a:t>
+            </a:r>
+          </a:p>
         </p:txBody>
       </p:sp>
       <p:sp>
@@ -4335,202 +4377,223 @@
           </a:fontRef>
         </p:style>
       </p:cxnSp>
-      <p:sp>
-        <p:nvSpPr>
-          <p:cNvPr id="20" name="타원 19">
+      <p:grpSp>
+        <p:nvGrpSpPr>
+          <p:cNvPr id="3" name="그룹 2">
             <a:extLst>
               <a:ext uri="{FF2B5EF4-FFF2-40B4-BE49-F238E27FC236}">
-                <a16:creationId xmlns:a16="http://schemas.microsoft.com/office/drawing/2014/main" id="{CA323269-A074-959C-D651-38E50D9C3CD7}"/>
+                <a16:creationId xmlns:a16="http://schemas.microsoft.com/office/drawing/2014/main" id="{EE853875-2B1D-5C60-5A71-F2CF7EBF8D6E}"/>
               </a:ext>
             </a:extLst>
           </p:cNvPr>
-          <p:cNvSpPr/>
+          <p:cNvGrpSpPr/>
           <p:nvPr/>
-        </p:nvSpPr>
-        <p:spPr>
+        </p:nvGrpSpPr>
+        <p:grpSpPr>
           <a:xfrm>
-            <a:off x="1692166" y="1982370"/>
-            <a:ext cx="375743" cy="398224"/>
+            <a:off x="1571298" y="1982370"/>
+            <a:ext cx="664778" cy="1231168"/>
+            <a:chOff x="1571298" y="1982370"/>
+            <a:chExt cx="664778" cy="1231168"/>
           </a:xfrm>
-          <a:prstGeom prst="ellipse">
-            <a:avLst/>
-          </a:prstGeom>
-        </p:spPr>
-        <p:style>
-          <a:lnRef idx="2">
-            <a:schemeClr val="accent1">
-              <a:shade val="50000"/>
-            </a:schemeClr>
-          </a:lnRef>
-          <a:fillRef idx="1">
-            <a:schemeClr val="accent1"/>
-          </a:fillRef>
-          <a:effectRef idx="0">
-            <a:schemeClr val="accent1"/>
-          </a:effectRef>
-          <a:fontRef idx="minor">
-            <a:schemeClr val="lt1"/>
-          </a:fontRef>
-        </p:style>
-        <p:txBody>
-          <a:bodyPr rtlCol="0" anchor="ctr"/>
-          <a:lstStyle/>
-          <a:p>
-            <a:pPr algn="ctr"/>
-            <a:endParaRPr lang="ko-KR" altLang="en-US"/>
-          </a:p>
-        </p:txBody>
-      </p:sp>
-      <p:cxnSp>
-        <p:nvCxnSpPr>
-          <p:cNvPr id="21" name="직선 연결선 20">
-            <a:extLst>
-              <a:ext uri="{FF2B5EF4-FFF2-40B4-BE49-F238E27FC236}">
-                <a16:creationId xmlns:a16="http://schemas.microsoft.com/office/drawing/2014/main" id="{0C1093F2-8754-D3D6-4287-5442552CC8BB}"/>
-              </a:ext>
-            </a:extLst>
-          </p:cNvPr>
-          <p:cNvCxnSpPr/>
-          <p:nvPr/>
-        </p:nvCxnSpPr>
-        <p:spPr>
-          <a:xfrm>
-            <a:off x="1573924" y="2617076"/>
-            <a:ext cx="662152" cy="0"/>
-          </a:xfrm>
-          <a:prstGeom prst="line">
-            <a:avLst/>
-          </a:prstGeom>
-        </p:spPr>
-        <p:style>
-          <a:lnRef idx="1">
-            <a:schemeClr val="accent1"/>
-          </a:lnRef>
-          <a:fillRef idx="0">
-            <a:schemeClr val="accent1"/>
-          </a:fillRef>
-          <a:effectRef idx="0">
-            <a:schemeClr val="accent1"/>
-          </a:effectRef>
-          <a:fontRef idx="minor">
-            <a:schemeClr val="tx1"/>
-          </a:fontRef>
-        </p:style>
-      </p:cxnSp>
-      <p:cxnSp>
-        <p:nvCxnSpPr>
-          <p:cNvPr id="22" name="직선 연결선 21">
-            <a:extLst>
-              <a:ext uri="{FF2B5EF4-FFF2-40B4-BE49-F238E27FC236}">
-                <a16:creationId xmlns:a16="http://schemas.microsoft.com/office/drawing/2014/main" id="{59088C46-838F-BFD2-F136-743F8BDE8FA5}"/>
-              </a:ext>
-            </a:extLst>
-          </p:cNvPr>
-          <p:cNvCxnSpPr>
-            <a:cxnSpLocks/>
-          </p:cNvCxnSpPr>
-          <p:nvPr/>
-        </p:nvCxnSpPr>
-        <p:spPr>
-          <a:xfrm>
-            <a:off x="1873470" y="2380594"/>
-            <a:ext cx="0" cy="599089"/>
-          </a:xfrm>
-          <a:prstGeom prst="line">
-            <a:avLst/>
-          </a:prstGeom>
-        </p:spPr>
-        <p:style>
-          <a:lnRef idx="1">
-            <a:schemeClr val="accent1"/>
-          </a:lnRef>
-          <a:fillRef idx="0">
-            <a:schemeClr val="accent1"/>
-          </a:fillRef>
-          <a:effectRef idx="0">
-            <a:schemeClr val="accent1"/>
-          </a:effectRef>
-          <a:fontRef idx="minor">
-            <a:schemeClr val="tx1"/>
-          </a:fontRef>
-        </p:style>
-      </p:cxnSp>
-      <p:cxnSp>
-        <p:nvCxnSpPr>
-          <p:cNvPr id="23" name="직선 연결선 22">
-            <a:extLst>
-              <a:ext uri="{FF2B5EF4-FFF2-40B4-BE49-F238E27FC236}">
-                <a16:creationId xmlns:a16="http://schemas.microsoft.com/office/drawing/2014/main" id="{DE1DF6DC-3FC0-961D-BFF6-410A29770603}"/>
-              </a:ext>
-            </a:extLst>
-          </p:cNvPr>
-          <p:cNvCxnSpPr>
-            <a:cxnSpLocks/>
-          </p:cNvCxnSpPr>
-          <p:nvPr/>
-        </p:nvCxnSpPr>
-        <p:spPr>
-          <a:xfrm>
-            <a:off x="1873470" y="2971800"/>
-            <a:ext cx="299544" cy="231227"/>
-          </a:xfrm>
-          <a:prstGeom prst="line">
-            <a:avLst/>
-          </a:prstGeom>
-        </p:spPr>
-        <p:style>
-          <a:lnRef idx="1">
-            <a:schemeClr val="accent1"/>
-          </a:lnRef>
-          <a:fillRef idx="0">
-            <a:schemeClr val="accent1"/>
-          </a:fillRef>
-          <a:effectRef idx="0">
-            <a:schemeClr val="accent1"/>
-          </a:effectRef>
-          <a:fontRef idx="minor">
-            <a:schemeClr val="tx1"/>
-          </a:fontRef>
-        </p:style>
-      </p:cxnSp>
-      <p:cxnSp>
-        <p:nvCxnSpPr>
-          <p:cNvPr id="24" name="직선 연결선 23">
-            <a:extLst>
-              <a:ext uri="{FF2B5EF4-FFF2-40B4-BE49-F238E27FC236}">
-                <a16:creationId xmlns:a16="http://schemas.microsoft.com/office/drawing/2014/main" id="{D4B29527-FCD7-6E82-4A33-2A6FF34D8029}"/>
-              </a:ext>
-            </a:extLst>
-          </p:cNvPr>
-          <p:cNvCxnSpPr>
-            <a:cxnSpLocks/>
-          </p:cNvCxnSpPr>
-          <p:nvPr/>
-        </p:nvCxnSpPr>
-        <p:spPr>
-          <a:xfrm flipV="1">
-            <a:off x="1571298" y="2961290"/>
-            <a:ext cx="302172" cy="252248"/>
-          </a:xfrm>
-          <a:prstGeom prst="line">
-            <a:avLst/>
-          </a:prstGeom>
-        </p:spPr>
-        <p:style>
-          <a:lnRef idx="1">
-            <a:schemeClr val="accent1"/>
-          </a:lnRef>
-          <a:fillRef idx="0">
-            <a:schemeClr val="accent1"/>
-          </a:fillRef>
-          <a:effectRef idx="0">
-            <a:schemeClr val="accent1"/>
-          </a:effectRef>
-          <a:fontRef idx="minor">
-            <a:schemeClr val="tx1"/>
-          </a:fontRef>
-        </p:style>
-      </p:cxnSp>
+        </p:grpSpPr>
+        <p:sp>
+          <p:nvSpPr>
+            <p:cNvPr id="20" name="타원 19">
+              <a:extLst>
+                <a:ext uri="{FF2B5EF4-FFF2-40B4-BE49-F238E27FC236}">
+                  <a16:creationId xmlns:a16="http://schemas.microsoft.com/office/drawing/2014/main" id="{CA323269-A074-959C-D651-38E50D9C3CD7}"/>
+                </a:ext>
+              </a:extLst>
+            </p:cNvPr>
+            <p:cNvSpPr/>
+            <p:nvPr/>
+          </p:nvSpPr>
+          <p:spPr>
+            <a:xfrm>
+              <a:off x="1692166" y="1982370"/>
+              <a:ext cx="375743" cy="398224"/>
+            </a:xfrm>
+            <a:prstGeom prst="ellipse">
+              <a:avLst/>
+            </a:prstGeom>
+          </p:spPr>
+          <p:style>
+            <a:lnRef idx="2">
+              <a:schemeClr val="accent1">
+                <a:shade val="50000"/>
+              </a:schemeClr>
+            </a:lnRef>
+            <a:fillRef idx="1">
+              <a:schemeClr val="accent1"/>
+            </a:fillRef>
+            <a:effectRef idx="0">
+              <a:schemeClr val="accent1"/>
+            </a:effectRef>
+            <a:fontRef idx="minor">
+              <a:schemeClr val="lt1"/>
+            </a:fontRef>
+          </p:style>
+          <p:txBody>
+            <a:bodyPr rtlCol="0" anchor="ctr"/>
+            <a:lstStyle/>
+            <a:p>
+              <a:pPr algn="ctr"/>
+              <a:endParaRPr lang="ko-KR" altLang="en-US"/>
+            </a:p>
+          </p:txBody>
+        </p:sp>
+        <p:cxnSp>
+          <p:nvCxnSpPr>
+            <p:cNvPr id="21" name="직선 연결선 20">
+              <a:extLst>
+                <a:ext uri="{FF2B5EF4-FFF2-40B4-BE49-F238E27FC236}">
+                  <a16:creationId xmlns:a16="http://schemas.microsoft.com/office/drawing/2014/main" id="{0C1093F2-8754-D3D6-4287-5442552CC8BB}"/>
+                </a:ext>
+              </a:extLst>
+            </p:cNvPr>
+            <p:cNvCxnSpPr/>
+            <p:nvPr/>
+          </p:nvCxnSpPr>
+          <p:spPr>
+            <a:xfrm>
+              <a:off x="1573924" y="2617076"/>
+              <a:ext cx="662152" cy="0"/>
+            </a:xfrm>
+            <a:prstGeom prst="line">
+              <a:avLst/>
+            </a:prstGeom>
+          </p:spPr>
+          <p:style>
+            <a:lnRef idx="1">
+              <a:schemeClr val="accent1"/>
+            </a:lnRef>
+            <a:fillRef idx="0">
+              <a:schemeClr val="accent1"/>
+            </a:fillRef>
+            <a:effectRef idx="0">
+              <a:schemeClr val="accent1"/>
+            </a:effectRef>
+            <a:fontRef idx="minor">
+              <a:schemeClr val="tx1"/>
+            </a:fontRef>
+          </p:style>
+        </p:cxnSp>
+        <p:cxnSp>
+          <p:nvCxnSpPr>
+            <p:cNvPr id="22" name="직선 연결선 21">
+              <a:extLst>
+                <a:ext uri="{FF2B5EF4-FFF2-40B4-BE49-F238E27FC236}">
+                  <a16:creationId xmlns:a16="http://schemas.microsoft.com/office/drawing/2014/main" id="{59088C46-838F-BFD2-F136-743F8BDE8FA5}"/>
+                </a:ext>
+              </a:extLst>
+            </p:cNvPr>
+            <p:cNvCxnSpPr>
+              <a:cxnSpLocks/>
+            </p:cNvCxnSpPr>
+            <p:nvPr/>
+          </p:nvCxnSpPr>
+          <p:spPr>
+            <a:xfrm>
+              <a:off x="1873470" y="2380594"/>
+              <a:ext cx="0" cy="599089"/>
+            </a:xfrm>
+            <a:prstGeom prst="line">
+              <a:avLst/>
+            </a:prstGeom>
+          </p:spPr>
+          <p:style>
+            <a:lnRef idx="1">
+              <a:schemeClr val="accent1"/>
+            </a:lnRef>
+            <a:fillRef idx="0">
+              <a:schemeClr val="accent1"/>
+            </a:fillRef>
+            <a:effectRef idx="0">
+              <a:schemeClr val="accent1"/>
+            </a:effectRef>
+            <a:fontRef idx="minor">
+              <a:schemeClr val="tx1"/>
+            </a:fontRef>
+          </p:style>
+        </p:cxnSp>
+        <p:cxnSp>
+          <p:nvCxnSpPr>
+            <p:cNvPr id="23" name="직선 연결선 22">
+              <a:extLst>
+                <a:ext uri="{FF2B5EF4-FFF2-40B4-BE49-F238E27FC236}">
+                  <a16:creationId xmlns:a16="http://schemas.microsoft.com/office/drawing/2014/main" id="{DE1DF6DC-3FC0-961D-BFF6-410A29770603}"/>
+                </a:ext>
+              </a:extLst>
+            </p:cNvPr>
+            <p:cNvCxnSpPr>
+              <a:cxnSpLocks/>
+            </p:cNvCxnSpPr>
+            <p:nvPr/>
+          </p:nvCxnSpPr>
+          <p:spPr>
+            <a:xfrm>
+              <a:off x="1873470" y="2971800"/>
+              <a:ext cx="299544" cy="231227"/>
+            </a:xfrm>
+            <a:prstGeom prst="line">
+              <a:avLst/>
+            </a:prstGeom>
+          </p:spPr>
+          <p:style>
+            <a:lnRef idx="1">
+              <a:schemeClr val="accent1"/>
+            </a:lnRef>
+            <a:fillRef idx="0">
+              <a:schemeClr val="accent1"/>
+            </a:fillRef>
+            <a:effectRef idx="0">
+              <a:schemeClr val="accent1"/>
+            </a:effectRef>
+            <a:fontRef idx="minor">
+              <a:schemeClr val="tx1"/>
+            </a:fontRef>
+          </p:style>
+        </p:cxnSp>
+        <p:cxnSp>
+          <p:nvCxnSpPr>
+            <p:cNvPr id="24" name="직선 연결선 23">
+              <a:extLst>
+                <a:ext uri="{FF2B5EF4-FFF2-40B4-BE49-F238E27FC236}">
+                  <a16:creationId xmlns:a16="http://schemas.microsoft.com/office/drawing/2014/main" id="{D4B29527-FCD7-6E82-4A33-2A6FF34D8029}"/>
+                </a:ext>
+              </a:extLst>
+            </p:cNvPr>
+            <p:cNvCxnSpPr>
+              <a:cxnSpLocks/>
+            </p:cNvCxnSpPr>
+            <p:nvPr/>
+          </p:nvCxnSpPr>
+          <p:spPr>
+            <a:xfrm flipV="1">
+              <a:off x="1571298" y="2961290"/>
+              <a:ext cx="302172" cy="252248"/>
+            </a:xfrm>
+            <a:prstGeom prst="line">
+              <a:avLst/>
+            </a:prstGeom>
+          </p:spPr>
+          <p:style>
+            <a:lnRef idx="1">
+              <a:schemeClr val="accent1"/>
+            </a:lnRef>
+            <a:fillRef idx="0">
+              <a:schemeClr val="accent1"/>
+            </a:fillRef>
+            <a:effectRef idx="0">
+              <a:schemeClr val="accent1"/>
+            </a:effectRef>
+            <a:fontRef idx="minor">
+              <a:schemeClr val="tx1"/>
+            </a:fontRef>
+          </p:style>
+        </p:cxnSp>
+      </p:grpSp>
       <p:sp>
         <p:nvSpPr>
           <p:cNvPr id="25" name="TextBox 24">
@@ -4843,46 +4906,6 @@
           <a:xfrm>
             <a:off x="7380889" y="2895915"/>
             <a:ext cx="1458309" cy="614224"/>
-          </a:xfrm>
-          <a:prstGeom prst="line">
-            <a:avLst/>
-          </a:prstGeom>
-        </p:spPr>
-        <p:style>
-          <a:lnRef idx="1">
-            <a:schemeClr val="accent1"/>
-          </a:lnRef>
-          <a:fillRef idx="0">
-            <a:schemeClr val="accent1"/>
-          </a:fillRef>
-          <a:effectRef idx="0">
-            <a:schemeClr val="accent1"/>
-          </a:effectRef>
-          <a:fontRef idx="minor">
-            <a:schemeClr val="tx1"/>
-          </a:fontRef>
-        </p:style>
-      </p:cxnSp>
-      <p:cxnSp>
-        <p:nvCxnSpPr>
-          <p:cNvPr id="40" name="직선 연결선 39">
-            <a:extLst>
-              <a:ext uri="{FF2B5EF4-FFF2-40B4-BE49-F238E27FC236}">
-                <a16:creationId xmlns:a16="http://schemas.microsoft.com/office/drawing/2014/main" id="{21299B6B-A7CA-E17A-F104-C75F036DA7D6}"/>
-              </a:ext>
-            </a:extLst>
-          </p:cNvPr>
-          <p:cNvCxnSpPr>
-            <a:cxnSpLocks/>
-            <a:stCxn id="36" idx="2"/>
-            <a:endCxn id="34" idx="6"/>
-          </p:cNvCxnSpPr>
-          <p:nvPr/>
-        </p:nvCxnSpPr>
-        <p:spPr>
-          <a:xfrm flipH="1">
-            <a:off x="5305097" y="2874212"/>
-            <a:ext cx="480847" cy="0"/>
           </a:xfrm>
           <a:prstGeom prst="line">
             <a:avLst/>
@@ -5745,6 +5768,2091 @@
     <p:extLst>
       <p:ext uri="{BB962C8B-B14F-4D97-AF65-F5344CB8AC3E}">
         <p14:creationId xmlns:p14="http://schemas.microsoft.com/office/powerpoint/2010/main" val="2174074269"/>
+      </p:ext>
+    </p:extLst>
+  </p:cSld>
+  <p:clrMapOvr>
+    <a:masterClrMapping/>
+  </p:clrMapOvr>
+</p:sld>
+</file>
+
+<file path=ppt/slides/slide5.xml><?xml version="1.0" encoding="utf-8"?>
+<p:sld xmlns:a="http://schemas.openxmlformats.org/drawingml/2006/main" xmlns:r="http://schemas.openxmlformats.org/officeDocument/2006/relationships" xmlns:p="http://schemas.openxmlformats.org/presentationml/2006/main">
+  <p:cSld>
+    <p:spTree>
+      <p:nvGrpSpPr>
+        <p:cNvPr id="1" name=""/>
+        <p:cNvGrpSpPr/>
+        <p:nvPr/>
+      </p:nvGrpSpPr>
+      <p:grpSpPr>
+        <a:xfrm>
+          <a:off x="0" y="0"/>
+          <a:ext cx="0" cy="0"/>
+          <a:chOff x="0" y="0"/>
+          <a:chExt cx="0" cy="0"/>
+        </a:xfrm>
+      </p:grpSpPr>
+      <p:sp>
+        <p:nvSpPr>
+          <p:cNvPr id="2" name="제목 1">
+            <a:extLst>
+              <a:ext uri="{FF2B5EF4-FFF2-40B4-BE49-F238E27FC236}">
+                <a16:creationId xmlns:a16="http://schemas.microsoft.com/office/drawing/2014/main" id="{F7AD28D8-BA53-D722-1C5A-0582C93EE716}"/>
+              </a:ext>
+            </a:extLst>
+          </p:cNvPr>
+          <p:cNvSpPr>
+            <a:spLocks noGrp="1"/>
+          </p:cNvSpPr>
+          <p:nvPr>
+            <p:ph type="title"/>
+          </p:nvPr>
+        </p:nvSpPr>
+        <p:spPr/>
+        <p:txBody>
+          <a:bodyPr/>
+          <a:lstStyle/>
+          <a:p>
+            <a:r>
+              <a:rPr lang="en-US" altLang="ko-KR" dirty="0">
+                <a:latin typeface="나눔명조OTF ExtraBold" panose="02020603020101020101" pitchFamily="18" charset="-127"/>
+                <a:ea typeface="나눔명조OTF ExtraBold" panose="02020603020101020101" pitchFamily="18" charset="-127"/>
+              </a:rPr>
+              <a:t>4. Class Diagram</a:t>
+            </a:r>
+            <a:endParaRPr lang="ko-KR" altLang="en-US" dirty="0"/>
+          </a:p>
+        </p:txBody>
+      </p:sp>
+      <p:grpSp>
+        <p:nvGrpSpPr>
+          <p:cNvPr id="29" name="그룹 28">
+            <a:extLst>
+              <a:ext uri="{FF2B5EF4-FFF2-40B4-BE49-F238E27FC236}">
+                <a16:creationId xmlns:a16="http://schemas.microsoft.com/office/drawing/2014/main" id="{F907FEBC-9AE7-2EF4-67F9-17391412240B}"/>
+              </a:ext>
+            </a:extLst>
+          </p:cNvPr>
+          <p:cNvGrpSpPr/>
+          <p:nvPr/>
+        </p:nvGrpSpPr>
+        <p:grpSpPr>
+          <a:xfrm>
+            <a:off x="2802294" y="2075061"/>
+            <a:ext cx="6648371" cy="4017219"/>
+            <a:chOff x="2771814" y="2006968"/>
+            <a:chExt cx="6648371" cy="4017219"/>
+          </a:xfrm>
+        </p:grpSpPr>
+        <p:grpSp>
+          <p:nvGrpSpPr>
+            <p:cNvPr id="23" name="그룹 22">
+              <a:extLst>
+                <a:ext uri="{FF2B5EF4-FFF2-40B4-BE49-F238E27FC236}">
+                  <a16:creationId xmlns:a16="http://schemas.microsoft.com/office/drawing/2014/main" id="{FDF440C4-3212-FB65-2B00-30CA1C989133}"/>
+                </a:ext>
+              </a:extLst>
+            </p:cNvPr>
+            <p:cNvGrpSpPr/>
+            <p:nvPr/>
+          </p:nvGrpSpPr>
+          <p:grpSpPr>
+            <a:xfrm>
+              <a:off x="2771814" y="2106189"/>
+              <a:ext cx="1739154" cy="1630355"/>
+              <a:chOff x="2726413" y="4206241"/>
+              <a:chExt cx="1739154" cy="1630355"/>
+            </a:xfrm>
+          </p:grpSpPr>
+          <p:sp>
+            <p:nvSpPr>
+              <p:cNvPr id="7" name="직사각형 6">
+                <a:extLst>
+                  <a:ext uri="{FF2B5EF4-FFF2-40B4-BE49-F238E27FC236}">
+                    <a16:creationId xmlns:a16="http://schemas.microsoft.com/office/drawing/2014/main" id="{CC4B46A0-1CEB-EFCC-F579-DFCAAB7E95D8}"/>
+                  </a:ext>
+                </a:extLst>
+              </p:cNvPr>
+              <p:cNvSpPr/>
+              <p:nvPr/>
+            </p:nvSpPr>
+            <p:spPr>
+              <a:xfrm>
+                <a:off x="2726414" y="4581423"/>
+                <a:ext cx="1739153" cy="1255173"/>
+              </a:xfrm>
+              <a:prstGeom prst="rect">
+                <a:avLst/>
+              </a:prstGeom>
+              <a:solidFill>
+                <a:schemeClr val="bg1"/>
+              </a:solidFill>
+              <a:ln>
+                <a:solidFill>
+                  <a:schemeClr val="tx1"/>
+                </a:solidFill>
+              </a:ln>
+            </p:spPr>
+            <p:style>
+              <a:lnRef idx="2">
+                <a:schemeClr val="accent1">
+                  <a:shade val="50000"/>
+                </a:schemeClr>
+              </a:lnRef>
+              <a:fillRef idx="1">
+                <a:schemeClr val="accent1"/>
+              </a:fillRef>
+              <a:effectRef idx="0">
+                <a:schemeClr val="accent1"/>
+              </a:effectRef>
+              <a:fontRef idx="minor">
+                <a:schemeClr val="lt1"/>
+              </a:fontRef>
+            </p:style>
+            <p:txBody>
+              <a:bodyPr rtlCol="0" anchor="ctr"/>
+              <a:lstStyle/>
+              <a:p>
+                <a:pPr algn="ctr"/>
+                <a:r>
+                  <a:rPr lang="en-US" altLang="ko-KR" dirty="0">
+                    <a:solidFill>
+                      <a:schemeClr val="tx1"/>
+                    </a:solidFill>
+                  </a:rPr>
+                  <a:t>Name : String</a:t>
+                </a:r>
+              </a:p>
+              <a:p>
+                <a:pPr algn="ctr"/>
+                <a:r>
+                  <a:rPr lang="en-US" altLang="ko-KR" dirty="0">
+                    <a:solidFill>
+                      <a:schemeClr val="tx1"/>
+                    </a:solidFill>
+                  </a:rPr>
+                  <a:t>Score : Int</a:t>
+                </a:r>
+              </a:p>
+              <a:p>
+                <a:pPr algn="ctr"/>
+                <a:endParaRPr lang="en-US" altLang="ko-KR" dirty="0">
+                  <a:solidFill>
+                    <a:schemeClr val="tx1"/>
+                  </a:solidFill>
+                </a:endParaRPr>
+              </a:p>
+              <a:p>
+                <a:pPr algn="ctr"/>
+                <a:endParaRPr lang="ko-KR" altLang="en-US" dirty="0">
+                  <a:solidFill>
+                    <a:schemeClr val="tx1"/>
+                  </a:solidFill>
+                </a:endParaRPr>
+              </a:p>
+            </p:txBody>
+          </p:sp>
+          <p:sp>
+            <p:nvSpPr>
+              <p:cNvPr id="8" name="직사각형 7">
+                <a:extLst>
+                  <a:ext uri="{FF2B5EF4-FFF2-40B4-BE49-F238E27FC236}">
+                    <a16:creationId xmlns:a16="http://schemas.microsoft.com/office/drawing/2014/main" id="{F56B9A60-7207-6D6C-A165-4FA6836B37DC}"/>
+                  </a:ext>
+                </a:extLst>
+              </p:cNvPr>
+              <p:cNvSpPr/>
+              <p:nvPr/>
+            </p:nvSpPr>
+            <p:spPr>
+              <a:xfrm>
+                <a:off x="2726413" y="4206241"/>
+                <a:ext cx="1739153" cy="375182"/>
+              </a:xfrm>
+              <a:prstGeom prst="rect">
+                <a:avLst/>
+              </a:prstGeom>
+              <a:solidFill>
+                <a:schemeClr val="bg1"/>
+              </a:solidFill>
+              <a:ln>
+                <a:solidFill>
+                  <a:schemeClr val="tx1"/>
+                </a:solidFill>
+              </a:ln>
+            </p:spPr>
+            <p:style>
+              <a:lnRef idx="2">
+                <a:schemeClr val="accent1">
+                  <a:shade val="50000"/>
+                </a:schemeClr>
+              </a:lnRef>
+              <a:fillRef idx="1">
+                <a:schemeClr val="accent1"/>
+              </a:fillRef>
+              <a:effectRef idx="0">
+                <a:schemeClr val="accent1"/>
+              </a:effectRef>
+              <a:fontRef idx="minor">
+                <a:schemeClr val="lt1"/>
+              </a:fontRef>
+            </p:style>
+            <p:txBody>
+              <a:bodyPr rtlCol="0" anchor="ctr"/>
+              <a:lstStyle/>
+              <a:p>
+                <a:pPr algn="ctr"/>
+                <a:r>
+                  <a:rPr lang="en-US" altLang="ko-KR" dirty="0">
+                    <a:solidFill>
+                      <a:schemeClr val="tx1"/>
+                    </a:solidFill>
+                  </a:rPr>
+                  <a:t>User</a:t>
+                </a:r>
+                <a:endParaRPr lang="ko-KR" altLang="en-US" dirty="0">
+                  <a:solidFill>
+                    <a:schemeClr val="tx1"/>
+                  </a:solidFill>
+                </a:endParaRPr>
+              </a:p>
+            </p:txBody>
+          </p:sp>
+        </p:grpSp>
+        <p:grpSp>
+          <p:nvGrpSpPr>
+            <p:cNvPr id="28" name="그룹 27">
+              <a:extLst>
+                <a:ext uri="{FF2B5EF4-FFF2-40B4-BE49-F238E27FC236}">
+                  <a16:creationId xmlns:a16="http://schemas.microsoft.com/office/drawing/2014/main" id="{19DFEF61-D4B3-DB91-9AB9-AFAE980FE4DF}"/>
+                </a:ext>
+              </a:extLst>
+            </p:cNvPr>
+            <p:cNvGrpSpPr/>
+            <p:nvPr/>
+          </p:nvGrpSpPr>
+          <p:grpSpPr>
+            <a:xfrm>
+              <a:off x="5290127" y="2006968"/>
+              <a:ext cx="4130058" cy="4017219"/>
+              <a:chOff x="5216694" y="1819377"/>
+              <a:chExt cx="4130058" cy="4017219"/>
+            </a:xfrm>
+          </p:grpSpPr>
+          <p:grpSp>
+            <p:nvGrpSpPr>
+              <p:cNvPr id="22" name="그룹 21">
+                <a:extLst>
+                  <a:ext uri="{FF2B5EF4-FFF2-40B4-BE49-F238E27FC236}">
+                    <a16:creationId xmlns:a16="http://schemas.microsoft.com/office/drawing/2014/main" id="{2DDDF2A9-994F-B775-096D-328169388407}"/>
+                  </a:ext>
+                </a:extLst>
+              </p:cNvPr>
+              <p:cNvGrpSpPr/>
+              <p:nvPr/>
+            </p:nvGrpSpPr>
+            <p:grpSpPr>
+              <a:xfrm>
+                <a:off x="6403469" y="1819377"/>
+                <a:ext cx="1739154" cy="914400"/>
+                <a:chOff x="5226422" y="2008095"/>
+                <a:chExt cx="1739154" cy="914400"/>
+              </a:xfrm>
+            </p:grpSpPr>
+            <p:sp>
+              <p:nvSpPr>
+                <p:cNvPr id="4" name="직사각형 3">
+                  <a:extLst>
+                    <a:ext uri="{FF2B5EF4-FFF2-40B4-BE49-F238E27FC236}">
+                      <a16:creationId xmlns:a16="http://schemas.microsoft.com/office/drawing/2014/main" id="{A2FC9D9B-44A9-7190-D540-D46C9FA635E4}"/>
+                    </a:ext>
+                  </a:extLst>
+                </p:cNvPr>
+                <p:cNvSpPr/>
+                <p:nvPr/>
+              </p:nvSpPr>
+              <p:spPr>
+                <a:xfrm>
+                  <a:off x="5226423" y="2008095"/>
+                  <a:ext cx="1739153" cy="914400"/>
+                </a:xfrm>
+                <a:prstGeom prst="rect">
+                  <a:avLst/>
+                </a:prstGeom>
+                <a:solidFill>
+                  <a:schemeClr val="bg1"/>
+                </a:solidFill>
+                <a:ln>
+                  <a:solidFill>
+                    <a:schemeClr val="tx1"/>
+                  </a:solidFill>
+                </a:ln>
+              </p:spPr>
+              <p:style>
+                <a:lnRef idx="2">
+                  <a:schemeClr val="accent1">
+                    <a:shade val="50000"/>
+                  </a:schemeClr>
+                </a:lnRef>
+                <a:fillRef idx="1">
+                  <a:schemeClr val="accent1"/>
+                </a:fillRef>
+                <a:effectRef idx="0">
+                  <a:schemeClr val="accent1"/>
+                </a:effectRef>
+                <a:fontRef idx="minor">
+                  <a:schemeClr val="lt1"/>
+                </a:fontRef>
+              </p:style>
+              <p:txBody>
+                <a:bodyPr rtlCol="0" anchor="ctr"/>
+                <a:lstStyle/>
+                <a:p>
+                  <a:pPr algn="ctr"/>
+                  <a:endParaRPr lang="ko-KR" altLang="en-US"/>
+                </a:p>
+              </p:txBody>
+            </p:sp>
+            <p:sp>
+              <p:nvSpPr>
+                <p:cNvPr id="6" name="직사각형 5">
+                  <a:extLst>
+                    <a:ext uri="{FF2B5EF4-FFF2-40B4-BE49-F238E27FC236}">
+                      <a16:creationId xmlns:a16="http://schemas.microsoft.com/office/drawing/2014/main" id="{3E2DCF2A-3264-7ECA-6BAE-5BB259DB2655}"/>
+                    </a:ext>
+                  </a:extLst>
+                </p:cNvPr>
+                <p:cNvSpPr/>
+                <p:nvPr/>
+              </p:nvSpPr>
+              <p:spPr>
+                <a:xfrm>
+                  <a:off x="5226422" y="2008095"/>
+                  <a:ext cx="1739153" cy="375182"/>
+                </a:xfrm>
+                <a:prstGeom prst="rect">
+                  <a:avLst/>
+                </a:prstGeom>
+                <a:solidFill>
+                  <a:schemeClr val="bg1"/>
+                </a:solidFill>
+                <a:ln>
+                  <a:solidFill>
+                    <a:schemeClr val="tx1"/>
+                  </a:solidFill>
+                </a:ln>
+              </p:spPr>
+              <p:style>
+                <a:lnRef idx="2">
+                  <a:schemeClr val="accent1">
+                    <a:shade val="50000"/>
+                  </a:schemeClr>
+                </a:lnRef>
+                <a:fillRef idx="1">
+                  <a:schemeClr val="accent1"/>
+                </a:fillRef>
+                <a:effectRef idx="0">
+                  <a:schemeClr val="accent1"/>
+                </a:effectRef>
+                <a:fontRef idx="minor">
+                  <a:schemeClr val="lt1"/>
+                </a:fontRef>
+              </p:style>
+              <p:txBody>
+                <a:bodyPr rtlCol="0" anchor="ctr"/>
+                <a:lstStyle/>
+                <a:p>
+                  <a:pPr algn="ctr"/>
+                  <a:r>
+                    <a:rPr lang="en-US" altLang="ko-KR" dirty="0">
+                      <a:solidFill>
+                        <a:schemeClr val="tx1"/>
+                      </a:solidFill>
+                    </a:rPr>
+                    <a:t>Quiz</a:t>
+                  </a:r>
+                  <a:endParaRPr lang="ko-KR" altLang="en-US" dirty="0">
+                    <a:solidFill>
+                      <a:schemeClr val="tx1"/>
+                    </a:solidFill>
+                  </a:endParaRPr>
+                </a:p>
+              </p:txBody>
+            </p:sp>
+          </p:grpSp>
+          <p:sp>
+            <p:nvSpPr>
+              <p:cNvPr id="10" name="직사각형 9">
+                <a:extLst>
+                  <a:ext uri="{FF2B5EF4-FFF2-40B4-BE49-F238E27FC236}">
+                    <a16:creationId xmlns:a16="http://schemas.microsoft.com/office/drawing/2014/main" id="{FB27D4ED-CD9F-646D-BFC6-040F746C86BC}"/>
+                  </a:ext>
+                </a:extLst>
+              </p:cNvPr>
+              <p:cNvSpPr/>
+              <p:nvPr/>
+            </p:nvSpPr>
+            <p:spPr>
+              <a:xfrm>
+                <a:off x="5216694" y="4206241"/>
+                <a:ext cx="1739153" cy="375182"/>
+              </a:xfrm>
+              <a:prstGeom prst="rect">
+                <a:avLst/>
+              </a:prstGeom>
+              <a:solidFill>
+                <a:schemeClr val="bg1"/>
+              </a:solidFill>
+              <a:ln>
+                <a:solidFill>
+                  <a:schemeClr val="tx1"/>
+                </a:solidFill>
+              </a:ln>
+            </p:spPr>
+            <p:style>
+              <a:lnRef idx="2">
+                <a:schemeClr val="accent1">
+                  <a:shade val="50000"/>
+                </a:schemeClr>
+              </a:lnRef>
+              <a:fillRef idx="1">
+                <a:schemeClr val="accent1"/>
+              </a:fillRef>
+              <a:effectRef idx="0">
+                <a:schemeClr val="accent1"/>
+              </a:effectRef>
+              <a:fontRef idx="minor">
+                <a:schemeClr val="lt1"/>
+              </a:fontRef>
+            </p:style>
+            <p:txBody>
+              <a:bodyPr rtlCol="0" anchor="ctr"/>
+              <a:lstStyle/>
+              <a:p>
+                <a:pPr algn="ctr"/>
+                <a:r>
+                  <a:rPr lang="en-US" altLang="ko-KR" dirty="0" err="1">
+                    <a:solidFill>
+                      <a:schemeClr val="tx1"/>
+                    </a:solidFill>
+                  </a:rPr>
+                  <a:t>ShowQuiz</a:t>
+                </a:r>
+                <a:endParaRPr lang="ko-KR" altLang="en-US" dirty="0">
+                  <a:solidFill>
+                    <a:schemeClr val="tx1"/>
+                  </a:solidFill>
+                </a:endParaRPr>
+              </a:p>
+            </p:txBody>
+          </p:sp>
+          <p:sp>
+            <p:nvSpPr>
+              <p:cNvPr id="12" name="직사각형 11">
+                <a:extLst>
+                  <a:ext uri="{FF2B5EF4-FFF2-40B4-BE49-F238E27FC236}">
+                    <a16:creationId xmlns:a16="http://schemas.microsoft.com/office/drawing/2014/main" id="{04873EAF-A20F-31F6-DD24-7AC8E2FBAD30}"/>
+                  </a:ext>
+                </a:extLst>
+              </p:cNvPr>
+              <p:cNvSpPr/>
+              <p:nvPr/>
+            </p:nvSpPr>
+            <p:spPr>
+              <a:xfrm>
+                <a:off x="7607599" y="4206241"/>
+                <a:ext cx="1739153" cy="375182"/>
+              </a:xfrm>
+              <a:prstGeom prst="rect">
+                <a:avLst/>
+              </a:prstGeom>
+              <a:solidFill>
+                <a:schemeClr val="bg1"/>
+              </a:solidFill>
+              <a:ln>
+                <a:solidFill>
+                  <a:schemeClr val="tx1"/>
+                </a:solidFill>
+              </a:ln>
+            </p:spPr>
+            <p:style>
+              <a:lnRef idx="2">
+                <a:schemeClr val="accent1">
+                  <a:shade val="50000"/>
+                </a:schemeClr>
+              </a:lnRef>
+              <a:fillRef idx="1">
+                <a:schemeClr val="accent1"/>
+              </a:fillRef>
+              <a:effectRef idx="0">
+                <a:schemeClr val="accent1"/>
+              </a:effectRef>
+              <a:fontRef idx="minor">
+                <a:schemeClr val="lt1"/>
+              </a:fontRef>
+            </p:style>
+            <p:txBody>
+              <a:bodyPr rtlCol="0" anchor="ctr"/>
+              <a:lstStyle/>
+              <a:p>
+                <a:pPr algn="ctr"/>
+                <a:r>
+                  <a:rPr lang="en-US" altLang="ko-KR" dirty="0" err="1">
+                    <a:solidFill>
+                      <a:schemeClr val="tx1"/>
+                    </a:solidFill>
+                  </a:rPr>
+                  <a:t>CheckQuiz</a:t>
+                </a:r>
+                <a:endParaRPr lang="ko-KR" altLang="en-US" dirty="0">
+                  <a:solidFill>
+                    <a:schemeClr val="tx1"/>
+                  </a:solidFill>
+                </a:endParaRPr>
+              </a:p>
+            </p:txBody>
+          </p:sp>
+          <p:sp>
+            <p:nvSpPr>
+              <p:cNvPr id="13" name="직사각형 12">
+                <a:extLst>
+                  <a:ext uri="{FF2B5EF4-FFF2-40B4-BE49-F238E27FC236}">
+                    <a16:creationId xmlns:a16="http://schemas.microsoft.com/office/drawing/2014/main" id="{C68CCAA4-49B7-E751-1789-59143A0ACDA6}"/>
+                  </a:ext>
+                </a:extLst>
+              </p:cNvPr>
+              <p:cNvSpPr/>
+              <p:nvPr/>
+            </p:nvSpPr>
+            <p:spPr>
+              <a:xfrm>
+                <a:off x="5216694" y="4581423"/>
+                <a:ext cx="1739153" cy="1255173"/>
+              </a:xfrm>
+              <a:prstGeom prst="rect">
+                <a:avLst/>
+              </a:prstGeom>
+              <a:solidFill>
+                <a:schemeClr val="bg1"/>
+              </a:solidFill>
+              <a:ln>
+                <a:solidFill>
+                  <a:schemeClr val="tx1"/>
+                </a:solidFill>
+              </a:ln>
+            </p:spPr>
+            <p:style>
+              <a:lnRef idx="2">
+                <a:schemeClr val="accent1">
+                  <a:shade val="50000"/>
+                </a:schemeClr>
+              </a:lnRef>
+              <a:fillRef idx="1">
+                <a:schemeClr val="accent1"/>
+              </a:fillRef>
+              <a:effectRef idx="0">
+                <a:schemeClr val="accent1"/>
+              </a:effectRef>
+              <a:fontRef idx="minor">
+                <a:schemeClr val="lt1"/>
+              </a:fontRef>
+            </p:style>
+            <p:txBody>
+              <a:bodyPr rtlCol="0" anchor="ctr"/>
+              <a:lstStyle/>
+              <a:p>
+                <a:pPr algn="ctr"/>
+                <a:r>
+                  <a:rPr lang="en-US" altLang="ko-KR" dirty="0" err="1">
+                    <a:solidFill>
+                      <a:schemeClr val="tx1"/>
+                    </a:solidFill>
+                  </a:rPr>
+                  <a:t>showQuiz</a:t>
+                </a:r>
+                <a:r>
+                  <a:rPr lang="en-US" altLang="ko-KR" dirty="0">
+                    <a:solidFill>
+                      <a:schemeClr val="tx1"/>
+                    </a:solidFill>
+                  </a:rPr>
+                  <a:t>()</a:t>
+                </a:r>
+              </a:p>
+            </p:txBody>
+          </p:sp>
+          <p:sp>
+            <p:nvSpPr>
+              <p:cNvPr id="14" name="직사각형 13">
+                <a:extLst>
+                  <a:ext uri="{FF2B5EF4-FFF2-40B4-BE49-F238E27FC236}">
+                    <a16:creationId xmlns:a16="http://schemas.microsoft.com/office/drawing/2014/main" id="{30601A08-AC7E-CB41-FC64-4EB93B6725E4}"/>
+                  </a:ext>
+                </a:extLst>
+              </p:cNvPr>
+              <p:cNvSpPr/>
+              <p:nvPr/>
+            </p:nvSpPr>
+            <p:spPr>
+              <a:xfrm>
+                <a:off x="7607599" y="4581423"/>
+                <a:ext cx="1739153" cy="1255173"/>
+              </a:xfrm>
+              <a:prstGeom prst="rect">
+                <a:avLst/>
+              </a:prstGeom>
+              <a:solidFill>
+                <a:schemeClr val="bg1"/>
+              </a:solidFill>
+              <a:ln>
+                <a:solidFill>
+                  <a:schemeClr val="tx1"/>
+                </a:solidFill>
+              </a:ln>
+            </p:spPr>
+            <p:style>
+              <a:lnRef idx="2">
+                <a:schemeClr val="accent1">
+                  <a:shade val="50000"/>
+                </a:schemeClr>
+              </a:lnRef>
+              <a:fillRef idx="1">
+                <a:schemeClr val="accent1"/>
+              </a:fillRef>
+              <a:effectRef idx="0">
+                <a:schemeClr val="accent1"/>
+              </a:effectRef>
+              <a:fontRef idx="minor">
+                <a:schemeClr val="lt1"/>
+              </a:fontRef>
+            </p:style>
+            <p:txBody>
+              <a:bodyPr rtlCol="0" anchor="ctr"/>
+              <a:lstStyle/>
+              <a:p>
+                <a:pPr algn="ctr"/>
+                <a:r>
+                  <a:rPr lang="en-US" altLang="ko-KR" dirty="0" err="1">
+                    <a:solidFill>
+                      <a:schemeClr val="tx1"/>
+                    </a:solidFill>
+                  </a:rPr>
+                  <a:t>checkQuiz</a:t>
+                </a:r>
+                <a:r>
+                  <a:rPr lang="en-US" altLang="ko-KR" dirty="0">
+                    <a:solidFill>
+                      <a:schemeClr val="tx1"/>
+                    </a:solidFill>
+                  </a:rPr>
+                  <a:t>()</a:t>
+                </a:r>
+              </a:p>
+            </p:txBody>
+          </p:sp>
+          <p:cxnSp>
+            <p:nvCxnSpPr>
+              <p:cNvPr id="25" name="연결선: 꺾임 24">
+                <a:extLst>
+                  <a:ext uri="{FF2B5EF4-FFF2-40B4-BE49-F238E27FC236}">
+                    <a16:creationId xmlns:a16="http://schemas.microsoft.com/office/drawing/2014/main" id="{CBEBC51F-FE90-31DE-90F2-0D0D319B4CEC}"/>
+                  </a:ext>
+                </a:extLst>
+              </p:cNvPr>
+              <p:cNvCxnSpPr>
+                <a:stCxn id="10" idx="0"/>
+                <a:endCxn id="4" idx="2"/>
+              </p:cNvCxnSpPr>
+              <p:nvPr/>
+            </p:nvCxnSpPr>
+            <p:spPr>
+              <a:xfrm rot="5400000" flipH="1" flipV="1">
+                <a:off x="5943427" y="2876621"/>
+                <a:ext cx="1472464" cy="1186776"/>
+              </a:xfrm>
+              <a:prstGeom prst="bentConnector3">
+                <a:avLst/>
+              </a:prstGeom>
+              <a:ln w="38100">
+                <a:tailEnd type="triangle"/>
+              </a:ln>
+            </p:spPr>
+            <p:style>
+              <a:lnRef idx="1">
+                <a:schemeClr val="accent1"/>
+              </a:lnRef>
+              <a:fillRef idx="0">
+                <a:schemeClr val="accent1"/>
+              </a:fillRef>
+              <a:effectRef idx="0">
+                <a:schemeClr val="accent1"/>
+              </a:effectRef>
+              <a:fontRef idx="minor">
+                <a:schemeClr val="tx1"/>
+              </a:fontRef>
+            </p:style>
+          </p:cxnSp>
+          <p:cxnSp>
+            <p:nvCxnSpPr>
+              <p:cNvPr id="27" name="연결선: 꺾임 26">
+                <a:extLst>
+                  <a:ext uri="{FF2B5EF4-FFF2-40B4-BE49-F238E27FC236}">
+                    <a16:creationId xmlns:a16="http://schemas.microsoft.com/office/drawing/2014/main" id="{C4BCA1B7-3B47-C5E0-D8AF-597085C7E203}"/>
+                  </a:ext>
+                </a:extLst>
+              </p:cNvPr>
+              <p:cNvCxnSpPr>
+                <a:stCxn id="12" idx="0"/>
+                <a:endCxn id="4" idx="2"/>
+              </p:cNvCxnSpPr>
+              <p:nvPr/>
+            </p:nvCxnSpPr>
+            <p:spPr>
+              <a:xfrm rot="16200000" flipV="1">
+                <a:off x="7138880" y="2867944"/>
+                <a:ext cx="1472464" cy="1204129"/>
+              </a:xfrm>
+              <a:prstGeom prst="bentConnector3">
+                <a:avLst/>
+              </a:prstGeom>
+              <a:ln w="38100">
+                <a:tailEnd type="triangle"/>
+              </a:ln>
+            </p:spPr>
+            <p:style>
+              <a:lnRef idx="1">
+                <a:schemeClr val="accent1"/>
+              </a:lnRef>
+              <a:fillRef idx="0">
+                <a:schemeClr val="accent1"/>
+              </a:fillRef>
+              <a:effectRef idx="0">
+                <a:schemeClr val="accent1"/>
+              </a:effectRef>
+              <a:fontRef idx="minor">
+                <a:schemeClr val="tx1"/>
+              </a:fontRef>
+            </p:style>
+          </p:cxnSp>
+        </p:grpSp>
+      </p:grpSp>
+    </p:spTree>
+    <p:extLst>
+      <p:ext uri="{BB962C8B-B14F-4D97-AF65-F5344CB8AC3E}">
+        <p14:creationId xmlns:p14="http://schemas.microsoft.com/office/powerpoint/2010/main" val="787491145"/>
+      </p:ext>
+    </p:extLst>
+  </p:cSld>
+  <p:clrMapOvr>
+    <a:masterClrMapping/>
+  </p:clrMapOvr>
+</p:sld>
+</file>
+
+<file path=ppt/slides/slide6.xml><?xml version="1.0" encoding="utf-8"?>
+<p:sld xmlns:a="http://schemas.openxmlformats.org/drawingml/2006/main" xmlns:r="http://schemas.openxmlformats.org/officeDocument/2006/relationships" xmlns:p="http://schemas.openxmlformats.org/presentationml/2006/main">
+  <p:cSld>
+    <p:spTree>
+      <p:nvGrpSpPr>
+        <p:cNvPr id="1" name=""/>
+        <p:cNvGrpSpPr/>
+        <p:nvPr/>
+      </p:nvGrpSpPr>
+      <p:grpSpPr>
+        <a:xfrm>
+          <a:off x="0" y="0"/>
+          <a:ext cx="0" cy="0"/>
+          <a:chOff x="0" y="0"/>
+          <a:chExt cx="0" cy="0"/>
+        </a:xfrm>
+      </p:grpSpPr>
+      <p:sp>
+        <p:nvSpPr>
+          <p:cNvPr id="2" name="제목 1">
+            <a:extLst>
+              <a:ext uri="{FF2B5EF4-FFF2-40B4-BE49-F238E27FC236}">
+                <a16:creationId xmlns:a16="http://schemas.microsoft.com/office/drawing/2014/main" id="{D4E55D1C-2449-D55A-CAD0-944EB9307CA1}"/>
+              </a:ext>
+            </a:extLst>
+          </p:cNvPr>
+          <p:cNvSpPr>
+            <a:spLocks noGrp="1"/>
+          </p:cNvSpPr>
+          <p:nvPr>
+            <p:ph type="title"/>
+          </p:nvPr>
+        </p:nvSpPr>
+        <p:spPr/>
+        <p:txBody>
+          <a:bodyPr/>
+          <a:lstStyle/>
+          <a:p>
+            <a:r>
+              <a:rPr lang="en-US" altLang="ko-KR" dirty="0">
+                <a:latin typeface="나눔명조OTF ExtraBold" panose="02020603020101020101" pitchFamily="18" charset="-127"/>
+                <a:ea typeface="나눔명조OTF ExtraBold" panose="02020603020101020101" pitchFamily="18" charset="-127"/>
+              </a:rPr>
+              <a:t>5. State Diagram</a:t>
+            </a:r>
+            <a:endParaRPr lang="ko-KR" altLang="en-US" dirty="0"/>
+          </a:p>
+        </p:txBody>
+      </p:sp>
+      <p:grpSp>
+        <p:nvGrpSpPr>
+          <p:cNvPr id="33" name="그룹 32">
+            <a:extLst>
+              <a:ext uri="{FF2B5EF4-FFF2-40B4-BE49-F238E27FC236}">
+                <a16:creationId xmlns:a16="http://schemas.microsoft.com/office/drawing/2014/main" id="{72FF30F2-C6B2-C8D8-1229-C89B6541D40C}"/>
+              </a:ext>
+            </a:extLst>
+          </p:cNvPr>
+          <p:cNvGrpSpPr/>
+          <p:nvPr/>
+        </p:nvGrpSpPr>
+        <p:grpSpPr>
+          <a:xfrm>
+            <a:off x="1204284" y="3429000"/>
+            <a:ext cx="9844392" cy="904672"/>
+            <a:chOff x="1768488" y="2373230"/>
+            <a:chExt cx="9844392" cy="904672"/>
+          </a:xfrm>
+        </p:grpSpPr>
+        <p:sp>
+          <p:nvSpPr>
+            <p:cNvPr id="4" name="사각형: 둥근 모서리 3">
+              <a:extLst>
+                <a:ext uri="{FF2B5EF4-FFF2-40B4-BE49-F238E27FC236}">
+                  <a16:creationId xmlns:a16="http://schemas.microsoft.com/office/drawing/2014/main" id="{DEF821B2-608F-805B-A910-F77FB86C3D81}"/>
+                </a:ext>
+              </a:extLst>
+            </p:cNvPr>
+            <p:cNvSpPr/>
+            <p:nvPr/>
+          </p:nvSpPr>
+          <p:spPr>
+            <a:xfrm>
+              <a:off x="1768488" y="2373230"/>
+              <a:ext cx="2412460" cy="904672"/>
+            </a:xfrm>
+            <a:prstGeom prst="roundRect">
+              <a:avLst>
+                <a:gd name="adj" fmla="val 50000"/>
+              </a:avLst>
+            </a:prstGeom>
+            <a:solidFill>
+              <a:schemeClr val="bg1"/>
+            </a:solidFill>
+            <a:ln>
+              <a:solidFill>
+                <a:schemeClr val="tx1"/>
+              </a:solidFill>
+            </a:ln>
+          </p:spPr>
+          <p:style>
+            <a:lnRef idx="2">
+              <a:schemeClr val="accent1">
+                <a:shade val="50000"/>
+              </a:schemeClr>
+            </a:lnRef>
+            <a:fillRef idx="1">
+              <a:schemeClr val="accent1"/>
+            </a:fillRef>
+            <a:effectRef idx="0">
+              <a:schemeClr val="accent1"/>
+            </a:effectRef>
+            <a:fontRef idx="minor">
+              <a:schemeClr val="lt1"/>
+            </a:fontRef>
+          </p:style>
+          <p:txBody>
+            <a:bodyPr rtlCol="0" anchor="ctr"/>
+            <a:lstStyle/>
+            <a:p>
+              <a:pPr algn="ctr"/>
+              <a:r>
+                <a:rPr lang="en-US" altLang="ko-KR" sz="3600" dirty="0">
+                  <a:solidFill>
+                    <a:schemeClr val="tx1"/>
+                  </a:solidFill>
+                </a:rPr>
+                <a:t>Quiz</a:t>
+              </a:r>
+              <a:endParaRPr lang="ko-KR" altLang="en-US" sz="3600" dirty="0">
+                <a:solidFill>
+                  <a:schemeClr val="tx1"/>
+                </a:solidFill>
+              </a:endParaRPr>
+            </a:p>
+          </p:txBody>
+        </p:sp>
+        <p:sp>
+          <p:nvSpPr>
+            <p:cNvPr id="5" name="사각형: 둥근 모서리 4">
+              <a:extLst>
+                <a:ext uri="{FF2B5EF4-FFF2-40B4-BE49-F238E27FC236}">
+                  <a16:creationId xmlns:a16="http://schemas.microsoft.com/office/drawing/2014/main" id="{6836E5DF-FBD8-5C29-576B-3A8020E0758E}"/>
+                </a:ext>
+              </a:extLst>
+            </p:cNvPr>
+            <p:cNvSpPr/>
+            <p:nvPr/>
+          </p:nvSpPr>
+          <p:spPr>
+            <a:xfrm>
+              <a:off x="5484454" y="2373230"/>
+              <a:ext cx="2412460" cy="904672"/>
+            </a:xfrm>
+            <a:prstGeom prst="roundRect">
+              <a:avLst>
+                <a:gd name="adj" fmla="val 50000"/>
+              </a:avLst>
+            </a:prstGeom>
+            <a:solidFill>
+              <a:schemeClr val="bg1"/>
+            </a:solidFill>
+            <a:ln>
+              <a:solidFill>
+                <a:schemeClr val="tx1"/>
+              </a:solidFill>
+            </a:ln>
+          </p:spPr>
+          <p:style>
+            <a:lnRef idx="2">
+              <a:schemeClr val="accent1">
+                <a:shade val="50000"/>
+              </a:schemeClr>
+            </a:lnRef>
+            <a:fillRef idx="1">
+              <a:schemeClr val="accent1"/>
+            </a:fillRef>
+            <a:effectRef idx="0">
+              <a:schemeClr val="accent1"/>
+            </a:effectRef>
+            <a:fontRef idx="minor">
+              <a:schemeClr val="lt1"/>
+            </a:fontRef>
+          </p:style>
+          <p:txBody>
+            <a:bodyPr rtlCol="0" anchor="ctr"/>
+            <a:lstStyle/>
+            <a:p>
+              <a:pPr algn="ctr"/>
+              <a:r>
+                <a:rPr lang="en-US" altLang="ko-KR" sz="2800" dirty="0">
+                  <a:solidFill>
+                    <a:schemeClr val="tx1"/>
+                  </a:solidFill>
+                  <a:latin typeface="Tahoma" panose="020B0604030504040204" pitchFamily="34" charset="0"/>
+                </a:rPr>
+                <a:t>Increment</a:t>
+              </a:r>
+            </a:p>
+            <a:p>
+              <a:pPr algn="ctr"/>
+              <a:r>
+                <a:rPr lang="en-US" altLang="ko-KR" sz="2800" dirty="0" err="1">
+                  <a:solidFill>
+                    <a:schemeClr val="tx1"/>
+                  </a:solidFill>
+                  <a:latin typeface="Tahoma" panose="020B0604030504040204" pitchFamily="34" charset="0"/>
+                </a:rPr>
+                <a:t>QuizNum</a:t>
+              </a:r>
+              <a:endParaRPr lang="ko-KR" altLang="en-US" sz="2800" dirty="0">
+                <a:solidFill>
+                  <a:schemeClr val="tx1"/>
+                </a:solidFill>
+              </a:endParaRPr>
+            </a:p>
+          </p:txBody>
+        </p:sp>
+        <p:cxnSp>
+          <p:nvCxnSpPr>
+            <p:cNvPr id="7" name="직선 화살표 연결선 6">
+              <a:extLst>
+                <a:ext uri="{FF2B5EF4-FFF2-40B4-BE49-F238E27FC236}">
+                  <a16:creationId xmlns:a16="http://schemas.microsoft.com/office/drawing/2014/main" id="{C3E67D18-B29D-4477-7577-8CBC93132A74}"/>
+                </a:ext>
+              </a:extLst>
+            </p:cNvPr>
+            <p:cNvCxnSpPr>
+              <a:cxnSpLocks/>
+              <a:stCxn id="4" idx="3"/>
+              <a:endCxn id="5" idx="1"/>
+            </p:cNvCxnSpPr>
+            <p:nvPr/>
+          </p:nvCxnSpPr>
+          <p:spPr>
+            <a:xfrm>
+              <a:off x="4180948" y="2825566"/>
+              <a:ext cx="1303506" cy="0"/>
+            </a:xfrm>
+            <a:prstGeom prst="straightConnector1">
+              <a:avLst/>
+            </a:prstGeom>
+            <a:ln w="38100">
+              <a:tailEnd type="triangle"/>
+            </a:ln>
+          </p:spPr>
+          <p:style>
+            <a:lnRef idx="1">
+              <a:schemeClr val="accent1"/>
+            </a:lnRef>
+            <a:fillRef idx="0">
+              <a:schemeClr val="accent1"/>
+            </a:fillRef>
+            <a:effectRef idx="0">
+              <a:schemeClr val="accent1"/>
+            </a:effectRef>
+            <a:fontRef idx="minor">
+              <a:schemeClr val="tx1"/>
+            </a:fontRef>
+          </p:style>
+        </p:cxnSp>
+        <p:sp>
+          <p:nvSpPr>
+            <p:cNvPr id="13" name="TextBox 12">
+              <a:extLst>
+                <a:ext uri="{FF2B5EF4-FFF2-40B4-BE49-F238E27FC236}">
+                  <a16:creationId xmlns:a16="http://schemas.microsoft.com/office/drawing/2014/main" id="{C0B0F530-3122-C9E6-D38F-E4D2A931BC0F}"/>
+                </a:ext>
+              </a:extLst>
+            </p:cNvPr>
+            <p:cNvSpPr txBox="1"/>
+            <p:nvPr/>
+          </p:nvSpPr>
+          <p:spPr>
+            <a:xfrm>
+              <a:off x="4219712" y="2373230"/>
+              <a:ext cx="1225977" cy="369332"/>
+            </a:xfrm>
+            <a:prstGeom prst="rect">
+              <a:avLst/>
+            </a:prstGeom>
+            <a:noFill/>
+          </p:spPr>
+          <p:txBody>
+            <a:bodyPr wrap="none" rtlCol="0">
+              <a:spAutoFit/>
+            </a:bodyPr>
+            <a:lstStyle/>
+            <a:p>
+              <a:r>
+                <a:rPr lang="en-US" altLang="ko-KR" dirty="0" err="1"/>
+                <a:t>QuizSolved</a:t>
+              </a:r>
+              <a:endParaRPr lang="ko-KR" altLang="en-US" dirty="0"/>
+            </a:p>
+          </p:txBody>
+        </p:sp>
+        <p:sp>
+          <p:nvSpPr>
+            <p:cNvPr id="17" name="사각형: 둥근 모서리 16">
+              <a:extLst>
+                <a:ext uri="{FF2B5EF4-FFF2-40B4-BE49-F238E27FC236}">
+                  <a16:creationId xmlns:a16="http://schemas.microsoft.com/office/drawing/2014/main" id="{70876170-F095-889C-5310-5C95E0F9AE5E}"/>
+                </a:ext>
+              </a:extLst>
+            </p:cNvPr>
+            <p:cNvSpPr/>
+            <p:nvPr/>
+          </p:nvSpPr>
+          <p:spPr>
+            <a:xfrm>
+              <a:off x="9200420" y="2373230"/>
+              <a:ext cx="2412460" cy="904672"/>
+            </a:xfrm>
+            <a:prstGeom prst="roundRect">
+              <a:avLst>
+                <a:gd name="adj" fmla="val 50000"/>
+              </a:avLst>
+            </a:prstGeom>
+            <a:solidFill>
+              <a:schemeClr val="bg1"/>
+            </a:solidFill>
+            <a:ln>
+              <a:solidFill>
+                <a:schemeClr val="tx1"/>
+              </a:solidFill>
+            </a:ln>
+          </p:spPr>
+          <p:style>
+            <a:lnRef idx="2">
+              <a:schemeClr val="accent1">
+                <a:shade val="50000"/>
+              </a:schemeClr>
+            </a:lnRef>
+            <a:fillRef idx="1">
+              <a:schemeClr val="accent1"/>
+            </a:fillRef>
+            <a:effectRef idx="0">
+              <a:schemeClr val="accent1"/>
+            </a:effectRef>
+            <a:fontRef idx="minor">
+              <a:schemeClr val="lt1"/>
+            </a:fontRef>
+          </p:style>
+          <p:txBody>
+            <a:bodyPr rtlCol="0" anchor="ctr"/>
+            <a:lstStyle/>
+            <a:p>
+              <a:pPr algn="ctr"/>
+              <a:r>
+                <a:rPr lang="en-US" altLang="ko-KR" sz="2800" dirty="0">
+                  <a:solidFill>
+                    <a:schemeClr val="tx1"/>
+                  </a:solidFill>
+                  <a:latin typeface="Tahoma" panose="020B0604030504040204" pitchFamily="34" charset="0"/>
+                </a:rPr>
+                <a:t>Increment</a:t>
+              </a:r>
+            </a:p>
+            <a:p>
+              <a:pPr algn="ctr"/>
+              <a:r>
+                <a:rPr lang="en-US" altLang="ko-KR" sz="2800" dirty="0">
+                  <a:solidFill>
+                    <a:schemeClr val="tx1"/>
+                  </a:solidFill>
+                  <a:latin typeface="Tahoma" panose="020B0604030504040204" pitchFamily="34" charset="0"/>
+                </a:rPr>
+                <a:t>Score</a:t>
+              </a:r>
+              <a:endParaRPr lang="ko-KR" altLang="en-US" sz="2800" dirty="0">
+                <a:solidFill>
+                  <a:schemeClr val="tx1"/>
+                </a:solidFill>
+              </a:endParaRPr>
+            </a:p>
+          </p:txBody>
+        </p:sp>
+        <p:cxnSp>
+          <p:nvCxnSpPr>
+            <p:cNvPr id="24" name="직선 화살표 연결선 23">
+              <a:extLst>
+                <a:ext uri="{FF2B5EF4-FFF2-40B4-BE49-F238E27FC236}">
+                  <a16:creationId xmlns:a16="http://schemas.microsoft.com/office/drawing/2014/main" id="{2C1E634F-D3C9-7DB1-D7EA-D5178D7A2859}"/>
+                </a:ext>
+              </a:extLst>
+            </p:cNvPr>
+            <p:cNvCxnSpPr>
+              <a:cxnSpLocks/>
+            </p:cNvCxnSpPr>
+            <p:nvPr/>
+          </p:nvCxnSpPr>
+          <p:spPr>
+            <a:xfrm>
+              <a:off x="7896914" y="2825566"/>
+              <a:ext cx="1303506" cy="0"/>
+            </a:xfrm>
+            <a:prstGeom prst="straightConnector1">
+              <a:avLst/>
+            </a:prstGeom>
+            <a:ln w="38100">
+              <a:tailEnd type="triangle"/>
+            </a:ln>
+          </p:spPr>
+          <p:style>
+            <a:lnRef idx="1">
+              <a:schemeClr val="accent1"/>
+            </a:lnRef>
+            <a:fillRef idx="0">
+              <a:schemeClr val="accent1"/>
+            </a:fillRef>
+            <a:effectRef idx="0">
+              <a:schemeClr val="accent1"/>
+            </a:effectRef>
+            <a:fontRef idx="minor">
+              <a:schemeClr val="tx1"/>
+            </a:fontRef>
+          </p:style>
+        </p:cxnSp>
+        <p:sp>
+          <p:nvSpPr>
+            <p:cNvPr id="25" name="TextBox 24">
+              <a:extLst>
+                <a:ext uri="{FF2B5EF4-FFF2-40B4-BE49-F238E27FC236}">
+                  <a16:creationId xmlns:a16="http://schemas.microsoft.com/office/drawing/2014/main" id="{DA5AF943-DE5B-6CFD-4F6A-CA81BCEAAA23}"/>
+                </a:ext>
+              </a:extLst>
+            </p:cNvPr>
+            <p:cNvSpPr txBox="1"/>
+            <p:nvPr/>
+          </p:nvSpPr>
+          <p:spPr>
+            <a:xfrm>
+              <a:off x="8078860" y="2373230"/>
+              <a:ext cx="877356" cy="369332"/>
+            </a:xfrm>
+            <a:prstGeom prst="rect">
+              <a:avLst/>
+            </a:prstGeom>
+            <a:noFill/>
+          </p:spPr>
+          <p:txBody>
+            <a:bodyPr wrap="none" rtlCol="0">
+              <a:spAutoFit/>
+            </a:bodyPr>
+            <a:lstStyle/>
+            <a:p>
+              <a:r>
+                <a:rPr lang="en-US" altLang="ko-KR" dirty="0"/>
+                <a:t>Correct</a:t>
+              </a:r>
+              <a:endParaRPr lang="ko-KR" altLang="en-US" dirty="0"/>
+            </a:p>
+          </p:txBody>
+        </p:sp>
+        <p:cxnSp>
+          <p:nvCxnSpPr>
+            <p:cNvPr id="29" name="직선 화살표 연결선 28">
+              <a:extLst>
+                <a:ext uri="{FF2B5EF4-FFF2-40B4-BE49-F238E27FC236}">
+                  <a16:creationId xmlns:a16="http://schemas.microsoft.com/office/drawing/2014/main" id="{F593915A-A632-20A5-8A7D-EA3361EFD319}"/>
+                </a:ext>
+              </a:extLst>
+            </p:cNvPr>
+            <p:cNvCxnSpPr>
+              <a:cxnSpLocks/>
+            </p:cNvCxnSpPr>
+            <p:nvPr/>
+          </p:nvCxnSpPr>
+          <p:spPr>
+            <a:xfrm flipH="1">
+              <a:off x="7896914" y="3005847"/>
+              <a:ext cx="1303506" cy="0"/>
+            </a:xfrm>
+            <a:prstGeom prst="straightConnector1">
+              <a:avLst/>
+            </a:prstGeom>
+            <a:ln w="38100">
+              <a:tailEnd type="triangle"/>
+            </a:ln>
+          </p:spPr>
+          <p:style>
+            <a:lnRef idx="1">
+              <a:schemeClr val="accent1"/>
+            </a:lnRef>
+            <a:fillRef idx="0">
+              <a:schemeClr val="accent1"/>
+            </a:fillRef>
+            <a:effectRef idx="0">
+              <a:schemeClr val="accent1"/>
+            </a:effectRef>
+            <a:fontRef idx="minor">
+              <a:schemeClr val="tx1"/>
+            </a:fontRef>
+          </p:style>
+        </p:cxnSp>
+        <p:cxnSp>
+          <p:nvCxnSpPr>
+            <p:cNvPr id="32" name="직선 화살표 연결선 31">
+              <a:extLst>
+                <a:ext uri="{FF2B5EF4-FFF2-40B4-BE49-F238E27FC236}">
+                  <a16:creationId xmlns:a16="http://schemas.microsoft.com/office/drawing/2014/main" id="{11EAF564-BEFF-1BC1-FF52-DA9F10FC0EE1}"/>
+                </a:ext>
+              </a:extLst>
+            </p:cNvPr>
+            <p:cNvCxnSpPr>
+              <a:cxnSpLocks/>
+            </p:cNvCxnSpPr>
+            <p:nvPr/>
+          </p:nvCxnSpPr>
+          <p:spPr>
+            <a:xfrm flipH="1">
+              <a:off x="4180947" y="3005847"/>
+              <a:ext cx="1303506" cy="0"/>
+            </a:xfrm>
+            <a:prstGeom prst="straightConnector1">
+              <a:avLst/>
+            </a:prstGeom>
+            <a:ln w="38100">
+              <a:tailEnd type="triangle"/>
+            </a:ln>
+          </p:spPr>
+          <p:style>
+            <a:lnRef idx="1">
+              <a:schemeClr val="accent1"/>
+            </a:lnRef>
+            <a:fillRef idx="0">
+              <a:schemeClr val="accent1"/>
+            </a:fillRef>
+            <a:effectRef idx="0">
+              <a:schemeClr val="accent1"/>
+            </a:effectRef>
+            <a:fontRef idx="minor">
+              <a:schemeClr val="tx1"/>
+            </a:fontRef>
+          </p:style>
+        </p:cxnSp>
+      </p:grpSp>
+    </p:spTree>
+    <p:extLst>
+      <p:ext uri="{BB962C8B-B14F-4D97-AF65-F5344CB8AC3E}">
+        <p14:creationId xmlns:p14="http://schemas.microsoft.com/office/powerpoint/2010/main" val="524987025"/>
+      </p:ext>
+    </p:extLst>
+  </p:cSld>
+  <p:clrMapOvr>
+    <a:masterClrMapping/>
+  </p:clrMapOvr>
+</p:sld>
+</file>
+
+<file path=ppt/slides/slide7.xml><?xml version="1.0" encoding="utf-8"?>
+<p:sld xmlns:a="http://schemas.openxmlformats.org/drawingml/2006/main" xmlns:r="http://schemas.openxmlformats.org/officeDocument/2006/relationships" xmlns:p="http://schemas.openxmlformats.org/presentationml/2006/main">
+  <p:cSld>
+    <p:spTree>
+      <p:nvGrpSpPr>
+        <p:cNvPr id="1" name=""/>
+        <p:cNvGrpSpPr/>
+        <p:nvPr/>
+      </p:nvGrpSpPr>
+      <p:grpSpPr>
+        <a:xfrm>
+          <a:off x="0" y="0"/>
+          <a:ext cx="0" cy="0"/>
+          <a:chOff x="0" y="0"/>
+          <a:chExt cx="0" cy="0"/>
+        </a:xfrm>
+      </p:grpSpPr>
+      <p:sp>
+        <p:nvSpPr>
+          <p:cNvPr id="2" name="제목 1">
+            <a:extLst>
+              <a:ext uri="{FF2B5EF4-FFF2-40B4-BE49-F238E27FC236}">
+                <a16:creationId xmlns:a16="http://schemas.microsoft.com/office/drawing/2014/main" id="{6EFA63F4-C975-0B67-033F-975554543A47}"/>
+              </a:ext>
+            </a:extLst>
+          </p:cNvPr>
+          <p:cNvSpPr>
+            <a:spLocks noGrp="1"/>
+          </p:cNvSpPr>
+          <p:nvPr>
+            <p:ph type="title"/>
+          </p:nvPr>
+        </p:nvSpPr>
+        <p:spPr/>
+        <p:txBody>
+          <a:bodyPr/>
+          <a:lstStyle/>
+          <a:p>
+            <a:r>
+              <a:rPr lang="en-US" altLang="ko-KR" dirty="0">
+                <a:latin typeface="나눔명조OTF ExtraBold" panose="02020603020101020101" pitchFamily="18" charset="-127"/>
+                <a:ea typeface="나눔명조OTF ExtraBold" panose="02020603020101020101" pitchFamily="18" charset="-127"/>
+              </a:rPr>
+              <a:t>6. Sequence Diagram</a:t>
+            </a:r>
+            <a:endParaRPr lang="ko-KR" altLang="en-US" dirty="0"/>
+          </a:p>
+        </p:txBody>
+      </p:sp>
+      <p:grpSp>
+        <p:nvGrpSpPr>
+          <p:cNvPr id="23" name="그룹 22">
+            <a:extLst>
+              <a:ext uri="{FF2B5EF4-FFF2-40B4-BE49-F238E27FC236}">
+                <a16:creationId xmlns:a16="http://schemas.microsoft.com/office/drawing/2014/main" id="{24A6F92A-1542-A2D2-C059-C3918E65997B}"/>
+              </a:ext>
+            </a:extLst>
+          </p:cNvPr>
+          <p:cNvGrpSpPr/>
+          <p:nvPr/>
+        </p:nvGrpSpPr>
+        <p:grpSpPr>
+          <a:xfrm>
+            <a:off x="4479249" y="2081228"/>
+            <a:ext cx="4207551" cy="3969376"/>
+            <a:chOff x="1804142" y="1954768"/>
+            <a:chExt cx="4207551" cy="3969376"/>
+          </a:xfrm>
+        </p:grpSpPr>
+        <p:sp>
+          <p:nvSpPr>
+            <p:cNvPr id="4" name="직사각형 3">
+              <a:extLst>
+                <a:ext uri="{FF2B5EF4-FFF2-40B4-BE49-F238E27FC236}">
+                  <a16:creationId xmlns:a16="http://schemas.microsoft.com/office/drawing/2014/main" id="{625F278D-3056-D8E0-30D3-1F4DE3844733}"/>
+                </a:ext>
+              </a:extLst>
+            </p:cNvPr>
+            <p:cNvSpPr/>
+            <p:nvPr/>
+          </p:nvSpPr>
+          <p:spPr>
+            <a:xfrm>
+              <a:off x="1984443" y="3832697"/>
+              <a:ext cx="340468" cy="2091447"/>
+            </a:xfrm>
+            <a:prstGeom prst="rect">
+              <a:avLst/>
+            </a:prstGeom>
+            <a:solidFill>
+              <a:schemeClr val="bg1"/>
+            </a:solidFill>
+            <a:ln>
+              <a:solidFill>
+                <a:schemeClr val="tx1"/>
+              </a:solidFill>
+            </a:ln>
+          </p:spPr>
+          <p:style>
+            <a:lnRef idx="2">
+              <a:schemeClr val="accent1">
+                <a:shade val="50000"/>
+              </a:schemeClr>
+            </a:lnRef>
+            <a:fillRef idx="1">
+              <a:schemeClr val="accent1"/>
+            </a:fillRef>
+            <a:effectRef idx="0">
+              <a:schemeClr val="accent1"/>
+            </a:effectRef>
+            <a:fontRef idx="minor">
+              <a:schemeClr val="lt1"/>
+            </a:fontRef>
+          </p:style>
+          <p:txBody>
+            <a:bodyPr rtlCol="0" anchor="ctr"/>
+            <a:lstStyle/>
+            <a:p>
+              <a:pPr algn="ctr"/>
+              <a:endParaRPr lang="ko-KR" altLang="en-US"/>
+            </a:p>
+          </p:txBody>
+        </p:sp>
+        <p:grpSp>
+          <p:nvGrpSpPr>
+            <p:cNvPr id="5" name="그룹 4">
+              <a:extLst>
+                <a:ext uri="{FF2B5EF4-FFF2-40B4-BE49-F238E27FC236}">
+                  <a16:creationId xmlns:a16="http://schemas.microsoft.com/office/drawing/2014/main" id="{9CF283B2-185E-F317-37D9-30734E7BF412}"/>
+                </a:ext>
+              </a:extLst>
+            </p:cNvPr>
+            <p:cNvGrpSpPr/>
+            <p:nvPr/>
+          </p:nvGrpSpPr>
+          <p:grpSpPr>
+            <a:xfrm>
+              <a:off x="1948104" y="1954768"/>
+              <a:ext cx="413145" cy="830260"/>
+              <a:chOff x="1571298" y="1982370"/>
+              <a:chExt cx="664778" cy="1231168"/>
+            </a:xfrm>
+          </p:grpSpPr>
+          <p:sp>
+            <p:nvSpPr>
+              <p:cNvPr id="6" name="타원 5">
+                <a:extLst>
+                  <a:ext uri="{FF2B5EF4-FFF2-40B4-BE49-F238E27FC236}">
+                    <a16:creationId xmlns:a16="http://schemas.microsoft.com/office/drawing/2014/main" id="{06F1B92B-16DC-551B-A60F-F1662CDE478C}"/>
+                  </a:ext>
+                </a:extLst>
+              </p:cNvPr>
+              <p:cNvSpPr/>
+              <p:nvPr/>
+            </p:nvSpPr>
+            <p:spPr>
+              <a:xfrm>
+                <a:off x="1692166" y="1982370"/>
+                <a:ext cx="375743" cy="398224"/>
+              </a:xfrm>
+              <a:prstGeom prst="ellipse">
+                <a:avLst/>
+              </a:prstGeom>
+            </p:spPr>
+            <p:style>
+              <a:lnRef idx="2">
+                <a:schemeClr val="accent1">
+                  <a:shade val="50000"/>
+                </a:schemeClr>
+              </a:lnRef>
+              <a:fillRef idx="1">
+                <a:schemeClr val="accent1"/>
+              </a:fillRef>
+              <a:effectRef idx="0">
+                <a:schemeClr val="accent1"/>
+              </a:effectRef>
+              <a:fontRef idx="minor">
+                <a:schemeClr val="lt1"/>
+              </a:fontRef>
+            </p:style>
+            <p:txBody>
+              <a:bodyPr rtlCol="0" anchor="ctr"/>
+              <a:lstStyle/>
+              <a:p>
+                <a:pPr algn="ctr"/>
+                <a:endParaRPr lang="ko-KR" altLang="en-US"/>
+              </a:p>
+            </p:txBody>
+          </p:sp>
+          <p:cxnSp>
+            <p:nvCxnSpPr>
+              <p:cNvPr id="7" name="직선 연결선 6">
+                <a:extLst>
+                  <a:ext uri="{FF2B5EF4-FFF2-40B4-BE49-F238E27FC236}">
+                    <a16:creationId xmlns:a16="http://schemas.microsoft.com/office/drawing/2014/main" id="{EE5C6366-BCD3-562F-4B79-25F7AB4571BD}"/>
+                  </a:ext>
+                </a:extLst>
+              </p:cNvPr>
+              <p:cNvCxnSpPr/>
+              <p:nvPr/>
+            </p:nvCxnSpPr>
+            <p:spPr>
+              <a:xfrm>
+                <a:off x="1573924" y="2617076"/>
+                <a:ext cx="662152" cy="0"/>
+              </a:xfrm>
+              <a:prstGeom prst="line">
+                <a:avLst/>
+              </a:prstGeom>
+            </p:spPr>
+            <p:style>
+              <a:lnRef idx="1">
+                <a:schemeClr val="accent1"/>
+              </a:lnRef>
+              <a:fillRef idx="0">
+                <a:schemeClr val="accent1"/>
+              </a:fillRef>
+              <a:effectRef idx="0">
+                <a:schemeClr val="accent1"/>
+              </a:effectRef>
+              <a:fontRef idx="minor">
+                <a:schemeClr val="tx1"/>
+              </a:fontRef>
+            </p:style>
+          </p:cxnSp>
+          <p:cxnSp>
+            <p:nvCxnSpPr>
+              <p:cNvPr id="8" name="직선 연결선 7">
+                <a:extLst>
+                  <a:ext uri="{FF2B5EF4-FFF2-40B4-BE49-F238E27FC236}">
+                    <a16:creationId xmlns:a16="http://schemas.microsoft.com/office/drawing/2014/main" id="{26A61483-27FE-0057-0B7A-062421689E7F}"/>
+                  </a:ext>
+                </a:extLst>
+              </p:cNvPr>
+              <p:cNvCxnSpPr>
+                <a:cxnSpLocks/>
+              </p:cNvCxnSpPr>
+              <p:nvPr/>
+            </p:nvCxnSpPr>
+            <p:spPr>
+              <a:xfrm>
+                <a:off x="1873470" y="2380594"/>
+                <a:ext cx="0" cy="599089"/>
+              </a:xfrm>
+              <a:prstGeom prst="line">
+                <a:avLst/>
+              </a:prstGeom>
+            </p:spPr>
+            <p:style>
+              <a:lnRef idx="1">
+                <a:schemeClr val="accent1"/>
+              </a:lnRef>
+              <a:fillRef idx="0">
+                <a:schemeClr val="accent1"/>
+              </a:fillRef>
+              <a:effectRef idx="0">
+                <a:schemeClr val="accent1"/>
+              </a:effectRef>
+              <a:fontRef idx="minor">
+                <a:schemeClr val="tx1"/>
+              </a:fontRef>
+            </p:style>
+          </p:cxnSp>
+          <p:cxnSp>
+            <p:nvCxnSpPr>
+              <p:cNvPr id="9" name="직선 연결선 8">
+                <a:extLst>
+                  <a:ext uri="{FF2B5EF4-FFF2-40B4-BE49-F238E27FC236}">
+                    <a16:creationId xmlns:a16="http://schemas.microsoft.com/office/drawing/2014/main" id="{A690448B-E1E7-B2AD-697D-18CEB920E261}"/>
+                  </a:ext>
+                </a:extLst>
+              </p:cNvPr>
+              <p:cNvCxnSpPr>
+                <a:cxnSpLocks/>
+              </p:cNvCxnSpPr>
+              <p:nvPr/>
+            </p:nvCxnSpPr>
+            <p:spPr>
+              <a:xfrm>
+                <a:off x="1873470" y="2971800"/>
+                <a:ext cx="299544" cy="231227"/>
+              </a:xfrm>
+              <a:prstGeom prst="line">
+                <a:avLst/>
+              </a:prstGeom>
+            </p:spPr>
+            <p:style>
+              <a:lnRef idx="1">
+                <a:schemeClr val="accent1"/>
+              </a:lnRef>
+              <a:fillRef idx="0">
+                <a:schemeClr val="accent1"/>
+              </a:fillRef>
+              <a:effectRef idx="0">
+                <a:schemeClr val="accent1"/>
+              </a:effectRef>
+              <a:fontRef idx="minor">
+                <a:schemeClr val="tx1"/>
+              </a:fontRef>
+            </p:style>
+          </p:cxnSp>
+          <p:cxnSp>
+            <p:nvCxnSpPr>
+              <p:cNvPr id="10" name="직선 연결선 9">
+                <a:extLst>
+                  <a:ext uri="{FF2B5EF4-FFF2-40B4-BE49-F238E27FC236}">
+                    <a16:creationId xmlns:a16="http://schemas.microsoft.com/office/drawing/2014/main" id="{96B46734-427A-18F3-C07F-9333E5B35DEF}"/>
+                  </a:ext>
+                </a:extLst>
+              </p:cNvPr>
+              <p:cNvCxnSpPr>
+                <a:cxnSpLocks/>
+              </p:cNvCxnSpPr>
+              <p:nvPr/>
+            </p:nvCxnSpPr>
+            <p:spPr>
+              <a:xfrm flipV="1">
+                <a:off x="1571298" y="2961290"/>
+                <a:ext cx="302172" cy="252248"/>
+              </a:xfrm>
+              <a:prstGeom prst="line">
+                <a:avLst/>
+              </a:prstGeom>
+            </p:spPr>
+            <p:style>
+              <a:lnRef idx="1">
+                <a:schemeClr val="accent1"/>
+              </a:lnRef>
+              <a:fillRef idx="0">
+                <a:schemeClr val="accent1"/>
+              </a:fillRef>
+              <a:effectRef idx="0">
+                <a:schemeClr val="accent1"/>
+              </a:effectRef>
+              <a:fontRef idx="minor">
+                <a:schemeClr val="tx1"/>
+              </a:fontRef>
+            </p:style>
+          </p:cxnSp>
+        </p:grpSp>
+        <p:sp>
+          <p:nvSpPr>
+            <p:cNvPr id="11" name="TextBox 10">
+              <a:extLst>
+                <a:ext uri="{FF2B5EF4-FFF2-40B4-BE49-F238E27FC236}">
+                  <a16:creationId xmlns:a16="http://schemas.microsoft.com/office/drawing/2014/main" id="{B7F8623E-E162-0EC0-4B97-CDAB892E8342}"/>
+                </a:ext>
+              </a:extLst>
+            </p:cNvPr>
+            <p:cNvSpPr txBox="1"/>
+            <p:nvPr/>
+          </p:nvSpPr>
+          <p:spPr>
+            <a:xfrm>
+              <a:off x="1804142" y="2824187"/>
+              <a:ext cx="734777" cy="400110"/>
+            </a:xfrm>
+            <a:prstGeom prst="rect">
+              <a:avLst/>
+            </a:prstGeom>
+            <a:noFill/>
+          </p:spPr>
+          <p:txBody>
+            <a:bodyPr wrap="square" rtlCol="0">
+              <a:spAutoFit/>
+            </a:bodyPr>
+            <a:lstStyle/>
+            <a:p>
+              <a:r>
+                <a:rPr lang="en-US" altLang="ko-KR" sz="2000" u="sng" dirty="0"/>
+                <a:t>:User</a:t>
+              </a:r>
+              <a:endParaRPr lang="ko-KR" altLang="en-US" sz="2000" u="sng" dirty="0"/>
+            </a:p>
+          </p:txBody>
+        </p:sp>
+        <p:sp>
+          <p:nvSpPr>
+            <p:cNvPr id="12" name="직사각형 11">
+              <a:extLst>
+                <a:ext uri="{FF2B5EF4-FFF2-40B4-BE49-F238E27FC236}">
+                  <a16:creationId xmlns:a16="http://schemas.microsoft.com/office/drawing/2014/main" id="{E801C5E9-AE0D-5E93-61E8-2BA3B42169AA}"/>
+                </a:ext>
+              </a:extLst>
+            </p:cNvPr>
+            <p:cNvSpPr/>
+            <p:nvPr/>
+          </p:nvSpPr>
+          <p:spPr>
+            <a:xfrm>
+              <a:off x="3450076" y="1978519"/>
+              <a:ext cx="2561617" cy="643490"/>
+            </a:xfrm>
+            <a:prstGeom prst="rect">
+              <a:avLst/>
+            </a:prstGeom>
+            <a:solidFill>
+              <a:schemeClr val="bg1"/>
+            </a:solidFill>
+            <a:ln>
+              <a:solidFill>
+                <a:schemeClr val="tx1"/>
+              </a:solidFill>
+            </a:ln>
+          </p:spPr>
+          <p:style>
+            <a:lnRef idx="2">
+              <a:schemeClr val="accent1">
+                <a:shade val="50000"/>
+              </a:schemeClr>
+            </a:lnRef>
+            <a:fillRef idx="1">
+              <a:schemeClr val="accent1"/>
+            </a:fillRef>
+            <a:effectRef idx="0">
+              <a:schemeClr val="accent1"/>
+            </a:effectRef>
+            <a:fontRef idx="minor">
+              <a:schemeClr val="lt1"/>
+            </a:fontRef>
+          </p:style>
+          <p:txBody>
+            <a:bodyPr rtlCol="0" anchor="ctr"/>
+            <a:lstStyle/>
+            <a:p>
+              <a:pPr algn="ctr"/>
+              <a:r>
+                <a:rPr lang="en-US" altLang="ko-KR" sz="2800" dirty="0">
+                  <a:solidFill>
+                    <a:schemeClr val="tx1"/>
+                  </a:solidFill>
+                </a:rPr>
+                <a:t>:Quiz</a:t>
+              </a:r>
+              <a:endParaRPr lang="ko-KR" altLang="en-US" sz="2800" dirty="0">
+                <a:solidFill>
+                  <a:schemeClr val="tx1"/>
+                </a:solidFill>
+              </a:endParaRPr>
+            </a:p>
+          </p:txBody>
+        </p:sp>
+        <p:sp>
+          <p:nvSpPr>
+            <p:cNvPr id="13" name="직사각형 12">
+              <a:extLst>
+                <a:ext uri="{FF2B5EF4-FFF2-40B4-BE49-F238E27FC236}">
+                  <a16:creationId xmlns:a16="http://schemas.microsoft.com/office/drawing/2014/main" id="{027508E5-AD8D-568C-B3E4-AC9699172495}"/>
+                </a:ext>
+              </a:extLst>
+            </p:cNvPr>
+            <p:cNvSpPr/>
+            <p:nvPr/>
+          </p:nvSpPr>
+          <p:spPr>
+            <a:xfrm>
+              <a:off x="4560650" y="3832697"/>
+              <a:ext cx="340468" cy="525294"/>
+            </a:xfrm>
+            <a:prstGeom prst="rect">
+              <a:avLst/>
+            </a:prstGeom>
+            <a:solidFill>
+              <a:schemeClr val="bg1"/>
+            </a:solidFill>
+            <a:ln>
+              <a:solidFill>
+                <a:schemeClr val="tx1"/>
+              </a:solidFill>
+            </a:ln>
+          </p:spPr>
+          <p:style>
+            <a:lnRef idx="2">
+              <a:schemeClr val="accent1">
+                <a:shade val="50000"/>
+              </a:schemeClr>
+            </a:lnRef>
+            <a:fillRef idx="1">
+              <a:schemeClr val="accent1"/>
+            </a:fillRef>
+            <a:effectRef idx="0">
+              <a:schemeClr val="accent1"/>
+            </a:effectRef>
+            <a:fontRef idx="minor">
+              <a:schemeClr val="lt1"/>
+            </a:fontRef>
+          </p:style>
+          <p:txBody>
+            <a:bodyPr rtlCol="0" anchor="ctr"/>
+            <a:lstStyle/>
+            <a:p>
+              <a:pPr algn="ctr"/>
+              <a:endParaRPr lang="ko-KR" altLang="en-US"/>
+            </a:p>
+          </p:txBody>
+        </p:sp>
+        <p:cxnSp>
+          <p:nvCxnSpPr>
+            <p:cNvPr id="15" name="직선 연결선 14">
+              <a:extLst>
+                <a:ext uri="{FF2B5EF4-FFF2-40B4-BE49-F238E27FC236}">
+                  <a16:creationId xmlns:a16="http://schemas.microsoft.com/office/drawing/2014/main" id="{0ACA084E-5846-37F2-9872-D76B14DA9B15}"/>
+                </a:ext>
+              </a:extLst>
+            </p:cNvPr>
+            <p:cNvCxnSpPr>
+              <a:stCxn id="12" idx="2"/>
+              <a:endCxn id="13" idx="0"/>
+            </p:cNvCxnSpPr>
+            <p:nvPr/>
+          </p:nvCxnSpPr>
+          <p:spPr>
+            <a:xfrm flipH="1">
+              <a:off x="4730884" y="2622009"/>
+              <a:ext cx="1" cy="1210688"/>
+            </a:xfrm>
+            <a:prstGeom prst="line">
+              <a:avLst/>
+            </a:prstGeom>
+            <a:ln w="38100">
+              <a:prstDash val="dash"/>
+            </a:ln>
+          </p:spPr>
+          <p:style>
+            <a:lnRef idx="1">
+              <a:schemeClr val="accent1"/>
+            </a:lnRef>
+            <a:fillRef idx="0">
+              <a:schemeClr val="accent1"/>
+            </a:fillRef>
+            <a:effectRef idx="0">
+              <a:schemeClr val="accent1"/>
+            </a:effectRef>
+            <a:fontRef idx="minor">
+              <a:schemeClr val="tx1"/>
+            </a:fontRef>
+          </p:style>
+        </p:cxnSp>
+        <p:cxnSp>
+          <p:nvCxnSpPr>
+            <p:cNvPr id="16" name="직선 화살표 연결선 15">
+              <a:extLst>
+                <a:ext uri="{FF2B5EF4-FFF2-40B4-BE49-F238E27FC236}">
+                  <a16:creationId xmlns:a16="http://schemas.microsoft.com/office/drawing/2014/main" id="{CC0F90F4-989F-5504-E862-42A0E4AF9807}"/>
+                </a:ext>
+              </a:extLst>
+            </p:cNvPr>
+            <p:cNvCxnSpPr>
+              <a:cxnSpLocks/>
+            </p:cNvCxnSpPr>
+            <p:nvPr/>
+          </p:nvCxnSpPr>
+          <p:spPr>
+            <a:xfrm>
+              <a:off x="2322057" y="3842424"/>
+              <a:ext cx="2238593" cy="0"/>
+            </a:xfrm>
+            <a:prstGeom prst="straightConnector1">
+              <a:avLst/>
+            </a:prstGeom>
+            <a:ln w="38100">
+              <a:tailEnd type="triangle"/>
+            </a:ln>
+          </p:spPr>
+          <p:style>
+            <a:lnRef idx="1">
+              <a:schemeClr val="accent1"/>
+            </a:lnRef>
+            <a:fillRef idx="0">
+              <a:schemeClr val="accent1"/>
+            </a:fillRef>
+            <a:effectRef idx="0">
+              <a:schemeClr val="accent1"/>
+            </a:effectRef>
+            <a:fontRef idx="minor">
+              <a:schemeClr val="tx1"/>
+            </a:fontRef>
+          </p:style>
+        </p:cxnSp>
+        <p:sp>
+          <p:nvSpPr>
+            <p:cNvPr id="19" name="직사각형 18">
+              <a:extLst>
+                <a:ext uri="{FF2B5EF4-FFF2-40B4-BE49-F238E27FC236}">
+                  <a16:creationId xmlns:a16="http://schemas.microsoft.com/office/drawing/2014/main" id="{07E654DC-BDDD-BA62-03A1-1E1AC453356F}"/>
+                </a:ext>
+              </a:extLst>
+            </p:cNvPr>
+            <p:cNvSpPr/>
+            <p:nvPr/>
+          </p:nvSpPr>
+          <p:spPr>
+            <a:xfrm>
+              <a:off x="4560650" y="4878420"/>
+              <a:ext cx="340468" cy="525294"/>
+            </a:xfrm>
+            <a:prstGeom prst="rect">
+              <a:avLst/>
+            </a:prstGeom>
+            <a:solidFill>
+              <a:schemeClr val="bg1"/>
+            </a:solidFill>
+            <a:ln>
+              <a:solidFill>
+                <a:schemeClr val="tx1"/>
+              </a:solidFill>
+            </a:ln>
+          </p:spPr>
+          <p:style>
+            <a:lnRef idx="2">
+              <a:schemeClr val="accent1">
+                <a:shade val="50000"/>
+              </a:schemeClr>
+            </a:lnRef>
+            <a:fillRef idx="1">
+              <a:schemeClr val="accent1"/>
+            </a:fillRef>
+            <a:effectRef idx="0">
+              <a:schemeClr val="accent1"/>
+            </a:effectRef>
+            <a:fontRef idx="minor">
+              <a:schemeClr val="lt1"/>
+            </a:fontRef>
+          </p:style>
+          <p:txBody>
+            <a:bodyPr rtlCol="0" anchor="ctr"/>
+            <a:lstStyle/>
+            <a:p>
+              <a:pPr algn="ctr"/>
+              <a:endParaRPr lang="ko-KR" altLang="en-US"/>
+            </a:p>
+          </p:txBody>
+        </p:sp>
+        <p:cxnSp>
+          <p:nvCxnSpPr>
+            <p:cNvPr id="20" name="직선 화살표 연결선 19">
+              <a:extLst>
+                <a:ext uri="{FF2B5EF4-FFF2-40B4-BE49-F238E27FC236}">
+                  <a16:creationId xmlns:a16="http://schemas.microsoft.com/office/drawing/2014/main" id="{C7C39CD5-6E05-77AB-50D3-81E09B564BC2}"/>
+                </a:ext>
+              </a:extLst>
+            </p:cNvPr>
+            <p:cNvCxnSpPr>
+              <a:cxnSpLocks/>
+            </p:cNvCxnSpPr>
+            <p:nvPr/>
+          </p:nvCxnSpPr>
+          <p:spPr>
+            <a:xfrm>
+              <a:off x="2322057" y="4878420"/>
+              <a:ext cx="2238593" cy="0"/>
+            </a:xfrm>
+            <a:prstGeom prst="straightConnector1">
+              <a:avLst/>
+            </a:prstGeom>
+            <a:ln w="38100">
+              <a:tailEnd type="triangle"/>
+            </a:ln>
+          </p:spPr>
+          <p:style>
+            <a:lnRef idx="1">
+              <a:schemeClr val="accent1"/>
+            </a:lnRef>
+            <a:fillRef idx="0">
+              <a:schemeClr val="accent1"/>
+            </a:fillRef>
+            <a:effectRef idx="0">
+              <a:schemeClr val="accent1"/>
+            </a:effectRef>
+            <a:fontRef idx="minor">
+              <a:schemeClr val="tx1"/>
+            </a:fontRef>
+          </p:style>
+        </p:cxnSp>
+        <p:sp>
+          <p:nvSpPr>
+            <p:cNvPr id="21" name="TextBox 20">
+              <a:extLst>
+                <a:ext uri="{FF2B5EF4-FFF2-40B4-BE49-F238E27FC236}">
+                  <a16:creationId xmlns:a16="http://schemas.microsoft.com/office/drawing/2014/main" id="{E8A71F8A-CE8D-C75E-3227-B64790DBE4AD}"/>
+                </a:ext>
+              </a:extLst>
+            </p:cNvPr>
+            <p:cNvSpPr txBox="1"/>
+            <p:nvPr/>
+          </p:nvSpPr>
+          <p:spPr>
+            <a:xfrm>
+              <a:off x="2913482" y="3477956"/>
+              <a:ext cx="1225977" cy="369332"/>
+            </a:xfrm>
+            <a:prstGeom prst="rect">
+              <a:avLst/>
+            </a:prstGeom>
+            <a:noFill/>
+          </p:spPr>
+          <p:txBody>
+            <a:bodyPr wrap="none" rtlCol="0">
+              <a:spAutoFit/>
+            </a:bodyPr>
+            <a:lstStyle/>
+            <a:p>
+              <a:r>
+                <a:rPr lang="en-US" altLang="ko-KR" dirty="0" err="1"/>
+                <a:t>QuizSolved</a:t>
+              </a:r>
+              <a:endParaRPr lang="ko-KR" altLang="en-US" dirty="0"/>
+            </a:p>
+          </p:txBody>
+        </p:sp>
+        <p:sp>
+          <p:nvSpPr>
+            <p:cNvPr id="22" name="TextBox 21">
+              <a:extLst>
+                <a:ext uri="{FF2B5EF4-FFF2-40B4-BE49-F238E27FC236}">
+                  <a16:creationId xmlns:a16="http://schemas.microsoft.com/office/drawing/2014/main" id="{BACADC15-552D-E619-103F-DCD67F55A6C1}"/>
+                </a:ext>
+              </a:extLst>
+            </p:cNvPr>
+            <p:cNvSpPr txBox="1"/>
+            <p:nvPr/>
+          </p:nvSpPr>
+          <p:spPr>
+            <a:xfrm>
+              <a:off x="3002675" y="4499361"/>
+              <a:ext cx="877356" cy="369332"/>
+            </a:xfrm>
+            <a:prstGeom prst="rect">
+              <a:avLst/>
+            </a:prstGeom>
+            <a:noFill/>
+          </p:spPr>
+          <p:txBody>
+            <a:bodyPr wrap="none" rtlCol="0">
+              <a:spAutoFit/>
+            </a:bodyPr>
+            <a:lstStyle/>
+            <a:p>
+              <a:r>
+                <a:rPr lang="en-US" altLang="ko-KR" dirty="0"/>
+                <a:t>Correct</a:t>
+              </a:r>
+              <a:endParaRPr lang="ko-KR" altLang="en-US" dirty="0"/>
+            </a:p>
+          </p:txBody>
+        </p:sp>
+      </p:grpSp>
+    </p:spTree>
+    <p:extLst>
+      <p:ext uri="{BB962C8B-B14F-4D97-AF65-F5344CB8AC3E}">
+        <p14:creationId xmlns:p14="http://schemas.microsoft.com/office/powerpoint/2010/main" val="580448624"/>
       </p:ext>
     </p:extLst>
   </p:cSld>
